--- a/耶穌基督是主_小羊詩歌.pptx
+++ b/耶穌基督是主_小羊詩歌.pptx
@@ -114,6 +114,11 @@
       </a:defRPr>
     </a:lvl9pPr>
   </p:defaultTextStyle>
+  <p:extLst>
+    <p:ext uri="{EFAFB233-063F-42B5-8137-9DF3F51BA10A}">
+      <p15:sldGuideLst xmlns:p15="http://schemas.microsoft.com/office/powerpoint/2012/main"/>
+    </p:ext>
+  </p:extLst>
 </p:presentation>
 </file>
 
@@ -298,7 +303,7 @@
           <a:p>
             <a:fld id="{73FD648D-8B53-4CD8-850C-5D4A2D6A8C55}" type="datetimeFigureOut">
               <a:rPr lang="vi-VN" smtClean="0"/>
-              <a:t>03/04/2021</a:t>
+              <a:t>11/12/2021</a:t>
             </a:fld>
             <a:endParaRPr lang="vi-VN"/>
           </a:p>
@@ -468,7 +473,7 @@
           <a:p>
             <a:fld id="{73FD648D-8B53-4CD8-850C-5D4A2D6A8C55}" type="datetimeFigureOut">
               <a:rPr lang="vi-VN" smtClean="0"/>
-              <a:t>03/04/2021</a:t>
+              <a:t>11/12/2021</a:t>
             </a:fld>
             <a:endParaRPr lang="vi-VN"/>
           </a:p>
@@ -648,7 +653,7 @@
           <a:p>
             <a:fld id="{73FD648D-8B53-4CD8-850C-5D4A2D6A8C55}" type="datetimeFigureOut">
               <a:rPr lang="vi-VN" smtClean="0"/>
-              <a:t>03/04/2021</a:t>
+              <a:t>11/12/2021</a:t>
             </a:fld>
             <a:endParaRPr lang="vi-VN"/>
           </a:p>
@@ -818,7 +823,7 @@
           <a:p>
             <a:fld id="{73FD648D-8B53-4CD8-850C-5D4A2D6A8C55}" type="datetimeFigureOut">
               <a:rPr lang="vi-VN" smtClean="0"/>
-              <a:t>03/04/2021</a:t>
+              <a:t>11/12/2021</a:t>
             </a:fld>
             <a:endParaRPr lang="vi-VN"/>
           </a:p>
@@ -1064,7 +1069,7 @@
           <a:p>
             <a:fld id="{73FD648D-8B53-4CD8-850C-5D4A2D6A8C55}" type="datetimeFigureOut">
               <a:rPr lang="vi-VN" smtClean="0"/>
-              <a:t>03/04/2021</a:t>
+              <a:t>11/12/2021</a:t>
             </a:fld>
             <a:endParaRPr lang="vi-VN"/>
           </a:p>
@@ -1352,7 +1357,7 @@
           <a:p>
             <a:fld id="{73FD648D-8B53-4CD8-850C-5D4A2D6A8C55}" type="datetimeFigureOut">
               <a:rPr lang="vi-VN" smtClean="0"/>
-              <a:t>03/04/2021</a:t>
+              <a:t>11/12/2021</a:t>
             </a:fld>
             <a:endParaRPr lang="vi-VN"/>
           </a:p>
@@ -1774,7 +1779,7 @@
           <a:p>
             <a:fld id="{73FD648D-8B53-4CD8-850C-5D4A2D6A8C55}" type="datetimeFigureOut">
               <a:rPr lang="vi-VN" smtClean="0"/>
-              <a:t>03/04/2021</a:t>
+              <a:t>11/12/2021</a:t>
             </a:fld>
             <a:endParaRPr lang="vi-VN"/>
           </a:p>
@@ -1892,7 +1897,7 @@
           <a:p>
             <a:fld id="{73FD648D-8B53-4CD8-850C-5D4A2D6A8C55}" type="datetimeFigureOut">
               <a:rPr lang="vi-VN" smtClean="0"/>
-              <a:t>03/04/2021</a:t>
+              <a:t>11/12/2021</a:t>
             </a:fld>
             <a:endParaRPr lang="vi-VN"/>
           </a:p>
@@ -1987,7 +1992,7 @@
           <a:p>
             <a:fld id="{73FD648D-8B53-4CD8-850C-5D4A2D6A8C55}" type="datetimeFigureOut">
               <a:rPr lang="vi-VN" smtClean="0"/>
-              <a:t>03/04/2021</a:t>
+              <a:t>11/12/2021</a:t>
             </a:fld>
             <a:endParaRPr lang="vi-VN"/>
           </a:p>
@@ -2264,7 +2269,7 @@
           <a:p>
             <a:fld id="{73FD648D-8B53-4CD8-850C-5D4A2D6A8C55}" type="datetimeFigureOut">
               <a:rPr lang="vi-VN" smtClean="0"/>
-              <a:t>03/04/2021</a:t>
+              <a:t>11/12/2021</a:t>
             </a:fld>
             <a:endParaRPr lang="vi-VN"/>
           </a:p>
@@ -2521,7 +2526,7 @@
           <a:p>
             <a:fld id="{73FD648D-8B53-4CD8-850C-5D4A2D6A8C55}" type="datetimeFigureOut">
               <a:rPr lang="vi-VN" smtClean="0"/>
-              <a:t>03/04/2021</a:t>
+              <a:t>11/12/2021</a:t>
             </a:fld>
             <a:endParaRPr lang="vi-VN"/>
           </a:p>
@@ -2739,7 +2744,7 @@
           <a:p>
             <a:fld id="{73FD648D-8B53-4CD8-850C-5D4A2D6A8C55}" type="datetimeFigureOut">
               <a:rPr lang="vi-VN" smtClean="0"/>
-              <a:t>03/04/2021</a:t>
+              <a:t>11/12/2021</a:t>
             </a:fld>
             <a:endParaRPr lang="vi-VN"/>
           </a:p>
@@ -3219,17 +3224,7 @@
                 <a:latin typeface="Microsoft JhengHei" pitchFamily="34" charset="-120"/>
                 <a:ea typeface="Microsoft JhengHei" pitchFamily="34" charset="-120"/>
               </a:rPr>
-              <a:t>祂是我的主我的</a:t>
-            </a:r>
-            <a:r>
-              <a:rPr lang="zh-TW" altLang="en-US" sz="6400" b="1" dirty="0">
-                <a:solidFill>
-                  <a:srgbClr val="660033"/>
-                </a:solidFill>
-                <a:latin typeface="Microsoft JhengHei" pitchFamily="34" charset="-120"/>
-                <a:ea typeface="Microsoft JhengHei" pitchFamily="34" charset="-120"/>
-              </a:rPr>
-              <a:t>王</a:t>
+              <a:t>祂是我的主我的王</a:t>
             </a:r>
             <a:endParaRPr lang="en-US" altLang="zh-TW" sz="6400" b="1" dirty="0">
               <a:solidFill>
@@ -3251,17 +3246,7 @@
                 <a:latin typeface="Microsoft JhengHei" pitchFamily="34" charset="-120"/>
                 <a:ea typeface="Microsoft JhengHei" pitchFamily="34" charset="-120"/>
               </a:rPr>
-              <a:t>我</a:t>
-            </a:r>
-            <a:r>
-              <a:rPr lang="zh-TW" altLang="en-US" sz="6400" b="1" dirty="0">
-                <a:solidFill>
-                  <a:srgbClr val="660033"/>
-                </a:solidFill>
-                <a:latin typeface="Microsoft JhengHei" pitchFamily="34" charset="-120"/>
-                <a:ea typeface="Microsoft JhengHei" pitchFamily="34" charset="-120"/>
-              </a:rPr>
-              <a:t>要敬拜祂</a:t>
+              <a:t>我要敬拜祂</a:t>
             </a:r>
             <a:endParaRPr lang="en-US" altLang="zh-TW" sz="6400" b="1" dirty="0">
               <a:solidFill>
@@ -3269,6 +3254,94 @@
               </a:solidFill>
               <a:latin typeface="Microsoft JhengHei" pitchFamily="34" charset="-120"/>
               <a:ea typeface="Microsoft JhengHei" pitchFamily="34" charset="-120"/>
+            </a:endParaRPr>
+          </a:p>
+        </p:txBody>
+      </p:sp>
+      <p:sp>
+        <p:nvSpPr>
+          <p:cNvPr id="3" name="TextBox 2"/>
+          <p:cNvSpPr txBox="1"/>
+          <p:nvPr/>
+        </p:nvSpPr>
+        <p:spPr>
+          <a:xfrm>
+            <a:off x="0" y="5342585"/>
+            <a:ext cx="12192000" cy="769441"/>
+          </a:xfrm>
+          <a:prstGeom prst="rect">
+            <a:avLst/>
+          </a:prstGeom>
+          <a:noFill/>
+        </p:spPr>
+        <p:txBody>
+          <a:bodyPr wrap="square" rtlCol="0">
+            <a:spAutoFit/>
+          </a:bodyPr>
+          <a:lstStyle/>
+          <a:p>
+            <a:pPr algn="ctr"/>
+            <a:r>
+              <a:rPr lang="en-US" sz="4400" b="1" dirty="0" smtClean="0">
+                <a:solidFill>
+                  <a:srgbClr val="660033"/>
+                </a:solidFill>
+                <a:effectLst/>
+                <a:latin typeface="Microsoft JhengHei" panose="020B0604030504040204" pitchFamily="34" charset="-120"/>
+                <a:ea typeface="Microsoft JhengHei" panose="020B0604030504040204" pitchFamily="34" charset="-120"/>
+              </a:rPr>
+              <a:t>( </a:t>
+            </a:r>
+            <a:r>
+              <a:rPr lang="zh-CN" altLang="en-US" sz="4400" b="1" dirty="0" smtClean="0">
+                <a:solidFill>
+                  <a:srgbClr val="660033"/>
+                </a:solidFill>
+                <a:effectLst/>
+                <a:latin typeface="Microsoft JhengHei" panose="020B0604030504040204" pitchFamily="34" charset="-120"/>
+                <a:ea typeface="Microsoft JhengHei" panose="020B0604030504040204" pitchFamily="34" charset="-120"/>
+              </a:rPr>
+              <a:t>正 </a:t>
+            </a:r>
+            <a:r>
+              <a:rPr lang="en-US" altLang="zh-CN" sz="4400" b="1" dirty="0">
+                <a:solidFill>
+                  <a:srgbClr val="660033"/>
+                </a:solidFill>
+                <a:effectLst/>
+                <a:latin typeface="Microsoft JhengHei" panose="020B0604030504040204" pitchFamily="34" charset="-120"/>
+                <a:ea typeface="Microsoft JhengHei" panose="020B0604030504040204" pitchFamily="34" charset="-120"/>
+              </a:rPr>
+              <a:t>2</a:t>
+            </a:r>
+            <a:r>
+              <a:rPr lang="en-US" sz="4400" b="1" dirty="0" smtClean="0">
+                <a:solidFill>
+                  <a:srgbClr val="660033"/>
+                </a:solidFill>
+                <a:effectLst/>
+                <a:latin typeface="Microsoft JhengHei" panose="020B0604030504040204" pitchFamily="34" charset="-120"/>
+                <a:ea typeface="Microsoft JhengHei" panose="020B0604030504040204" pitchFamily="34" charset="-120"/>
+              </a:rPr>
+              <a:t> </a:t>
+            </a:r>
+            <a:r>
+              <a:rPr lang="en-US" sz="4400" b="1" dirty="0" smtClean="0">
+                <a:solidFill>
+                  <a:srgbClr val="660033"/>
+                </a:solidFill>
+                <a:effectLst/>
+                <a:latin typeface="Microsoft JhengHei" panose="020B0604030504040204" pitchFamily="34" charset="-120"/>
+                <a:ea typeface="Microsoft JhengHei" panose="020B0604030504040204" pitchFamily="34" charset="-120"/>
+              </a:rPr>
+              <a:t>)</a:t>
+            </a:r>
+            <a:endParaRPr lang="vi-VN" sz="4400" b="1" dirty="0">
+              <a:solidFill>
+                <a:srgbClr val="660033"/>
+              </a:solidFill>
+              <a:effectLst/>
+              <a:ea typeface="Microsoft JhengHei" panose="020B0604030504040204" pitchFamily="34" charset="-120"/>
             </a:endParaRPr>
           </a:p>
         </p:txBody>
@@ -3336,37 +3409,7 @@
                 <a:latin typeface="Microsoft JhengHei" pitchFamily="34" charset="-120"/>
                 <a:ea typeface="Microsoft JhengHei" pitchFamily="34" charset="-120"/>
               </a:rPr>
-              <a:t>哈利路</a:t>
-            </a:r>
-            <a:r>
-              <a:rPr lang="zh-TW" altLang="en-US" sz="6400" b="1" dirty="0">
-                <a:solidFill>
-                  <a:srgbClr val="660033"/>
-                </a:solidFill>
-                <a:latin typeface="Microsoft JhengHei" pitchFamily="34" charset="-120"/>
-                <a:ea typeface="Microsoft JhengHei" pitchFamily="34" charset="-120"/>
-              </a:rPr>
-              <a:t>亞  哈</a:t>
-            </a:r>
-            <a:r>
-              <a:rPr lang="zh-TW" altLang="en-US" sz="6400" b="1" dirty="0">
-                <a:solidFill>
-                  <a:srgbClr val="660033"/>
-                </a:solidFill>
-                <a:latin typeface="Microsoft JhengHei" pitchFamily="34" charset="-120"/>
-                <a:ea typeface="Microsoft JhengHei" pitchFamily="34" charset="-120"/>
-              </a:rPr>
-              <a:t>利路</a:t>
-            </a:r>
-            <a:r>
-              <a:rPr lang="zh-TW" altLang="en-US" sz="6400" b="1" dirty="0">
-                <a:solidFill>
-                  <a:srgbClr val="660033"/>
-                </a:solidFill>
-                <a:latin typeface="Microsoft JhengHei" pitchFamily="34" charset="-120"/>
-                <a:ea typeface="Microsoft JhengHei" pitchFamily="34" charset="-120"/>
-              </a:rPr>
-              <a:t>亞</a:t>
+              <a:t>哈利路亞  哈利路亞</a:t>
             </a:r>
             <a:endParaRPr lang="en-US" altLang="zh-TW" sz="6400" b="1" dirty="0">
               <a:solidFill>
@@ -3388,17 +3431,7 @@
                 <a:latin typeface="Microsoft JhengHei" pitchFamily="34" charset="-120"/>
                 <a:ea typeface="Microsoft JhengHei" pitchFamily="34" charset="-120"/>
               </a:rPr>
-              <a:t>耶</a:t>
-            </a:r>
-            <a:r>
-              <a:rPr lang="zh-TW" altLang="en-US" sz="6400" b="1" dirty="0">
-                <a:solidFill>
-                  <a:srgbClr val="660033"/>
-                </a:solidFill>
-                <a:latin typeface="Microsoft JhengHei" pitchFamily="34" charset="-120"/>
-                <a:ea typeface="Microsoft JhengHei" pitchFamily="34" charset="-120"/>
-              </a:rPr>
-              <a:t>穌基督祂是主</a:t>
+              <a:t>耶穌基督祂是主</a:t>
             </a:r>
             <a:endParaRPr lang="en-US" altLang="zh-TW" sz="6400" b="1" dirty="0">
               <a:solidFill>
@@ -3412,14 +3445,14 @@
       </p:sp>
       <p:sp>
         <p:nvSpPr>
-          <p:cNvPr id="3" name="TextBox 2"/>
+          <p:cNvPr id="4" name="TextBox 3"/>
           <p:cNvSpPr txBox="1"/>
           <p:nvPr/>
         </p:nvSpPr>
         <p:spPr>
           <a:xfrm>
             <a:off x="0" y="5253203"/>
-            <a:ext cx="12192000" cy="748988"/>
+            <a:ext cx="12192000" cy="769441"/>
           </a:xfrm>
           <a:prstGeom prst="rect">
             <a:avLst/>
@@ -3434,12 +3467,50 @@
           <a:p>
             <a:pPr algn="ctr"/>
             <a:r>
+              <a:rPr lang="en-US" sz="4000" b="1" dirty="0">
+                <a:solidFill>
+                  <a:srgbClr val="660033"/>
+                </a:solidFill>
+                <a:latin typeface="Microsoft JhengHei" panose="020B0604030504040204" pitchFamily="34" charset="-120"/>
+                <a:ea typeface="Microsoft JhengHei" panose="020B0604030504040204" pitchFamily="34" charset="-120"/>
+              </a:rPr>
+              <a:t>( </a:t>
+            </a:r>
+            <a:r>
+              <a:rPr lang="zh-CN" altLang="en-US" sz="4000" b="1" dirty="0" smtClean="0">
+                <a:solidFill>
+                  <a:srgbClr val="660033"/>
+                </a:solidFill>
+                <a:latin typeface="Microsoft JhengHei" panose="020B0604030504040204" pitchFamily="34" charset="-120"/>
+                <a:ea typeface="Microsoft JhengHei" panose="020B0604030504040204" pitchFamily="34" charset="-120"/>
+              </a:rPr>
+              <a:t>副</a:t>
+            </a:r>
+            <a:r>
+              <a:rPr lang="en-US" sz="4000" b="1" dirty="0" smtClean="0">
+                <a:solidFill>
+                  <a:srgbClr val="660033"/>
+                </a:solidFill>
+                <a:latin typeface="Microsoft JhengHei" panose="020B0604030504040204" pitchFamily="34" charset="-120"/>
+                <a:ea typeface="Microsoft JhengHei" panose="020B0604030504040204" pitchFamily="34" charset="-120"/>
+              </a:rPr>
+              <a:t> ) </a:t>
+            </a:r>
+            <a:r>
+              <a:rPr lang="en-US" sz="4267" b="1" dirty="0" smtClean="0">
+                <a:solidFill>
+                  <a:srgbClr val="660033"/>
+                </a:solidFill>
+              </a:rPr>
+              <a:t>( </a:t>
+            </a:r>
+            <a:r>
               <a:rPr lang="en-US" sz="4267" b="1" dirty="0">
                 <a:solidFill>
                   <a:srgbClr val="660033"/>
                 </a:solidFill>
               </a:rPr>
-              <a:t>( x2 )</a:t>
+              <a:t>x2 )</a:t>
             </a:r>
             <a:endParaRPr lang="vi-VN" sz="4267" b="1" dirty="0">
               <a:solidFill>
@@ -3512,17 +3583,7 @@
                 <a:latin typeface="Microsoft JhengHei" pitchFamily="34" charset="-120"/>
                 <a:ea typeface="Microsoft JhengHei" pitchFamily="34" charset="-120"/>
               </a:rPr>
-              <a:t>因為祂是萬王之</a:t>
-            </a:r>
-            <a:r>
-              <a:rPr lang="zh-TW" altLang="en-US" sz="6400" b="1" dirty="0">
-                <a:solidFill>
-                  <a:srgbClr val="660033"/>
-                </a:solidFill>
-                <a:latin typeface="Microsoft JhengHei" pitchFamily="34" charset="-120"/>
-                <a:ea typeface="Microsoft JhengHei" pitchFamily="34" charset="-120"/>
-              </a:rPr>
-              <a:t>王</a:t>
+              <a:t>因為祂是萬王之王</a:t>
             </a:r>
             <a:endParaRPr lang="en-US" altLang="zh-TW" sz="6400" b="1" dirty="0">
               <a:solidFill>
@@ -3544,17 +3605,7 @@
                 <a:latin typeface="Microsoft JhengHei" pitchFamily="34" charset="-120"/>
                 <a:ea typeface="Microsoft JhengHei" pitchFamily="34" charset="-120"/>
               </a:rPr>
-              <a:t>因</a:t>
-            </a:r>
-            <a:r>
-              <a:rPr lang="zh-TW" altLang="en-US" sz="6400" b="1" dirty="0">
-                <a:solidFill>
-                  <a:srgbClr val="660033"/>
-                </a:solidFill>
-                <a:latin typeface="Microsoft JhengHei" pitchFamily="34" charset="-120"/>
-                <a:ea typeface="Microsoft JhengHei" pitchFamily="34" charset="-120"/>
-              </a:rPr>
-              <a:t>為祂是萬主之主</a:t>
+              <a:t>因為祂是萬主之主</a:t>
             </a:r>
             <a:endParaRPr lang="en-US" altLang="zh-TW" sz="6400" b="1" dirty="0">
               <a:solidFill>
@@ -3562,6 +3613,94 @@
               </a:solidFill>
               <a:latin typeface="Microsoft JhengHei" pitchFamily="34" charset="-120"/>
               <a:ea typeface="Microsoft JhengHei" pitchFamily="34" charset="-120"/>
+            </a:endParaRPr>
+          </a:p>
+        </p:txBody>
+      </p:sp>
+      <p:sp>
+        <p:nvSpPr>
+          <p:cNvPr id="3" name="TextBox 2"/>
+          <p:cNvSpPr txBox="1"/>
+          <p:nvPr/>
+        </p:nvSpPr>
+        <p:spPr>
+          <a:xfrm>
+            <a:off x="0" y="5342585"/>
+            <a:ext cx="12192000" cy="769441"/>
+          </a:xfrm>
+          <a:prstGeom prst="rect">
+            <a:avLst/>
+          </a:prstGeom>
+          <a:noFill/>
+        </p:spPr>
+        <p:txBody>
+          <a:bodyPr wrap="square" rtlCol="0">
+            <a:spAutoFit/>
+          </a:bodyPr>
+          <a:lstStyle/>
+          <a:p>
+            <a:pPr algn="ctr"/>
+            <a:r>
+              <a:rPr lang="en-US" sz="4400" b="1" dirty="0" smtClean="0">
+                <a:solidFill>
+                  <a:srgbClr val="660033"/>
+                </a:solidFill>
+                <a:effectLst/>
+                <a:latin typeface="Microsoft JhengHei" panose="020B0604030504040204" pitchFamily="34" charset="-120"/>
+                <a:ea typeface="Microsoft JhengHei" panose="020B0604030504040204" pitchFamily="34" charset="-120"/>
+              </a:rPr>
+              <a:t>( </a:t>
+            </a:r>
+            <a:r>
+              <a:rPr lang="zh-CN" altLang="en-US" sz="4400" b="1" dirty="0" smtClean="0">
+                <a:solidFill>
+                  <a:srgbClr val="660033"/>
+                </a:solidFill>
+                <a:effectLst/>
+                <a:latin typeface="Microsoft JhengHei" panose="020B0604030504040204" pitchFamily="34" charset="-120"/>
+                <a:ea typeface="Microsoft JhengHei" panose="020B0604030504040204" pitchFamily="34" charset="-120"/>
+              </a:rPr>
+              <a:t>正 </a:t>
+            </a:r>
+            <a:r>
+              <a:rPr lang="en-US" altLang="zh-CN" sz="4400" b="1" dirty="0" smtClean="0">
+                <a:solidFill>
+                  <a:srgbClr val="660033"/>
+                </a:solidFill>
+                <a:effectLst/>
+                <a:latin typeface="Microsoft JhengHei" panose="020B0604030504040204" pitchFamily="34" charset="-120"/>
+                <a:ea typeface="Microsoft JhengHei" panose="020B0604030504040204" pitchFamily="34" charset="-120"/>
+              </a:rPr>
+              <a:t>1</a:t>
+            </a:r>
+            <a:r>
+              <a:rPr lang="en-US" sz="4400" b="1" dirty="0" smtClean="0">
+                <a:solidFill>
+                  <a:srgbClr val="660033"/>
+                </a:solidFill>
+                <a:effectLst/>
+                <a:latin typeface="Microsoft JhengHei" panose="020B0604030504040204" pitchFamily="34" charset="-120"/>
+                <a:ea typeface="Microsoft JhengHei" panose="020B0604030504040204" pitchFamily="34" charset="-120"/>
+              </a:rPr>
+              <a:t> </a:t>
+            </a:r>
+            <a:r>
+              <a:rPr lang="en-US" sz="4400" b="1" dirty="0" smtClean="0">
+                <a:solidFill>
+                  <a:srgbClr val="660033"/>
+                </a:solidFill>
+                <a:effectLst/>
+                <a:latin typeface="Microsoft JhengHei" panose="020B0604030504040204" pitchFamily="34" charset="-120"/>
+                <a:ea typeface="Microsoft JhengHei" panose="020B0604030504040204" pitchFamily="34" charset="-120"/>
+              </a:rPr>
+              <a:t>)</a:t>
+            </a:r>
+            <a:endParaRPr lang="vi-VN" sz="4400" b="1" dirty="0">
+              <a:solidFill>
+                <a:srgbClr val="660033"/>
+              </a:solidFill>
+              <a:effectLst/>
+              <a:ea typeface="Microsoft JhengHei" panose="020B0604030504040204" pitchFamily="34" charset="-120"/>
             </a:endParaRPr>
           </a:p>
         </p:txBody>
@@ -3629,17 +3768,7 @@
                 <a:latin typeface="Microsoft JhengHei" pitchFamily="34" charset="-120"/>
                 <a:ea typeface="Microsoft JhengHei" pitchFamily="34" charset="-120"/>
               </a:rPr>
-              <a:t>唯有祂從死裡復</a:t>
-            </a:r>
-            <a:r>
-              <a:rPr lang="zh-TW" altLang="en-US" sz="6400" b="1" dirty="0">
-                <a:solidFill>
-                  <a:srgbClr val="660033"/>
-                </a:solidFill>
-                <a:latin typeface="Microsoft JhengHei" pitchFamily="34" charset="-120"/>
-                <a:ea typeface="Microsoft JhengHei" pitchFamily="34" charset="-120"/>
-              </a:rPr>
-              <a:t>活</a:t>
+              <a:t>唯有祂從死裡復活</a:t>
             </a:r>
             <a:endParaRPr lang="en-US" altLang="zh-TW" sz="6400" b="1" dirty="0">
               <a:solidFill>
@@ -3661,17 +3790,7 @@
                 <a:latin typeface="Microsoft JhengHei" pitchFamily="34" charset="-120"/>
                 <a:ea typeface="Microsoft JhengHei" pitchFamily="34" charset="-120"/>
               </a:rPr>
-              <a:t>我</a:t>
-            </a:r>
-            <a:r>
-              <a:rPr lang="zh-TW" altLang="en-US" sz="6400" b="1" dirty="0">
-                <a:solidFill>
-                  <a:srgbClr val="660033"/>
-                </a:solidFill>
-                <a:latin typeface="Microsoft JhengHei" pitchFamily="34" charset="-120"/>
-                <a:ea typeface="Microsoft JhengHei" pitchFamily="34" charset="-120"/>
-              </a:rPr>
-              <a:t>要敬拜祂</a:t>
+              <a:t>我要敬拜祂</a:t>
             </a:r>
             <a:endParaRPr lang="en-US" altLang="zh-TW" sz="6400" b="1" dirty="0">
               <a:solidFill>
@@ -3679,6 +3798,94 @@
               </a:solidFill>
               <a:latin typeface="Microsoft JhengHei" pitchFamily="34" charset="-120"/>
               <a:ea typeface="Microsoft JhengHei" pitchFamily="34" charset="-120"/>
+            </a:endParaRPr>
+          </a:p>
+        </p:txBody>
+      </p:sp>
+      <p:sp>
+        <p:nvSpPr>
+          <p:cNvPr id="3" name="TextBox 2"/>
+          <p:cNvSpPr txBox="1"/>
+          <p:nvPr/>
+        </p:nvSpPr>
+        <p:spPr>
+          <a:xfrm>
+            <a:off x="0" y="5342585"/>
+            <a:ext cx="12192000" cy="769441"/>
+          </a:xfrm>
+          <a:prstGeom prst="rect">
+            <a:avLst/>
+          </a:prstGeom>
+          <a:noFill/>
+        </p:spPr>
+        <p:txBody>
+          <a:bodyPr wrap="square" rtlCol="0">
+            <a:spAutoFit/>
+          </a:bodyPr>
+          <a:lstStyle/>
+          <a:p>
+            <a:pPr algn="ctr"/>
+            <a:r>
+              <a:rPr lang="en-US" sz="4400" b="1" dirty="0" smtClean="0">
+                <a:solidFill>
+                  <a:srgbClr val="660033"/>
+                </a:solidFill>
+                <a:effectLst/>
+                <a:latin typeface="Microsoft JhengHei" panose="020B0604030504040204" pitchFamily="34" charset="-120"/>
+                <a:ea typeface="Microsoft JhengHei" panose="020B0604030504040204" pitchFamily="34" charset="-120"/>
+              </a:rPr>
+              <a:t>( </a:t>
+            </a:r>
+            <a:r>
+              <a:rPr lang="zh-CN" altLang="en-US" sz="4400" b="1" dirty="0" smtClean="0">
+                <a:solidFill>
+                  <a:srgbClr val="660033"/>
+                </a:solidFill>
+                <a:effectLst/>
+                <a:latin typeface="Microsoft JhengHei" panose="020B0604030504040204" pitchFamily="34" charset="-120"/>
+                <a:ea typeface="Microsoft JhengHei" panose="020B0604030504040204" pitchFamily="34" charset="-120"/>
+              </a:rPr>
+              <a:t>正 </a:t>
+            </a:r>
+            <a:r>
+              <a:rPr lang="en-US" altLang="zh-CN" sz="4400" b="1" dirty="0" smtClean="0">
+                <a:solidFill>
+                  <a:srgbClr val="660033"/>
+                </a:solidFill>
+                <a:effectLst/>
+                <a:latin typeface="Microsoft JhengHei" panose="020B0604030504040204" pitchFamily="34" charset="-120"/>
+                <a:ea typeface="Microsoft JhengHei" panose="020B0604030504040204" pitchFamily="34" charset="-120"/>
+              </a:rPr>
+              <a:t>1</a:t>
+            </a:r>
+            <a:r>
+              <a:rPr lang="en-US" sz="4400" b="1" dirty="0" smtClean="0">
+                <a:solidFill>
+                  <a:srgbClr val="660033"/>
+                </a:solidFill>
+                <a:effectLst/>
+                <a:latin typeface="Microsoft JhengHei" panose="020B0604030504040204" pitchFamily="34" charset="-120"/>
+                <a:ea typeface="Microsoft JhengHei" panose="020B0604030504040204" pitchFamily="34" charset="-120"/>
+              </a:rPr>
+              <a:t> </a:t>
+            </a:r>
+            <a:r>
+              <a:rPr lang="en-US" sz="4400" b="1" dirty="0" smtClean="0">
+                <a:solidFill>
+                  <a:srgbClr val="660033"/>
+                </a:solidFill>
+                <a:effectLst/>
+                <a:latin typeface="Microsoft JhengHei" panose="020B0604030504040204" pitchFamily="34" charset="-120"/>
+                <a:ea typeface="Microsoft JhengHei" panose="020B0604030504040204" pitchFamily="34" charset="-120"/>
+              </a:rPr>
+              <a:t>)</a:t>
+            </a:r>
+            <a:endParaRPr lang="vi-VN" sz="4400" b="1" dirty="0">
+              <a:solidFill>
+                <a:srgbClr val="660033"/>
+              </a:solidFill>
+              <a:effectLst/>
+              <a:ea typeface="Microsoft JhengHei" panose="020B0604030504040204" pitchFamily="34" charset="-120"/>
             </a:endParaRPr>
           </a:p>
         </p:txBody>
@@ -3746,17 +3953,7 @@
                 <a:latin typeface="Microsoft JhengHei" pitchFamily="34" charset="-120"/>
                 <a:ea typeface="Microsoft JhengHei" pitchFamily="34" charset="-120"/>
               </a:rPr>
-              <a:t>因為祂是萬王之</a:t>
-            </a:r>
-            <a:r>
-              <a:rPr lang="zh-TW" altLang="en-US" sz="6400" b="1" dirty="0">
-                <a:solidFill>
-                  <a:srgbClr val="660033"/>
-                </a:solidFill>
-                <a:latin typeface="Microsoft JhengHei" pitchFamily="34" charset="-120"/>
-                <a:ea typeface="Microsoft JhengHei" pitchFamily="34" charset="-120"/>
-              </a:rPr>
-              <a:t>王</a:t>
+              <a:t>因為祂是萬王之王</a:t>
             </a:r>
             <a:endParaRPr lang="en-US" altLang="zh-TW" sz="6400" b="1" dirty="0">
               <a:solidFill>
@@ -3778,17 +3975,7 @@
                 <a:latin typeface="Microsoft JhengHei" pitchFamily="34" charset="-120"/>
                 <a:ea typeface="Microsoft JhengHei" pitchFamily="34" charset="-120"/>
               </a:rPr>
-              <a:t>因</a:t>
-            </a:r>
-            <a:r>
-              <a:rPr lang="zh-TW" altLang="en-US" sz="6400" b="1" dirty="0">
-                <a:solidFill>
-                  <a:srgbClr val="660033"/>
-                </a:solidFill>
-                <a:latin typeface="Microsoft JhengHei" pitchFamily="34" charset="-120"/>
-                <a:ea typeface="Microsoft JhengHei" pitchFamily="34" charset="-120"/>
-              </a:rPr>
-              <a:t>為祂是萬主之主</a:t>
+              <a:t>因為祂是萬主之主</a:t>
             </a:r>
             <a:endParaRPr lang="en-US" altLang="zh-TW" sz="6400" b="1" dirty="0">
               <a:solidFill>
@@ -3796,6 +3983,94 @@
               </a:solidFill>
               <a:latin typeface="Microsoft JhengHei" pitchFamily="34" charset="-120"/>
               <a:ea typeface="Microsoft JhengHei" pitchFamily="34" charset="-120"/>
+            </a:endParaRPr>
+          </a:p>
+        </p:txBody>
+      </p:sp>
+      <p:sp>
+        <p:nvSpPr>
+          <p:cNvPr id="3" name="TextBox 2"/>
+          <p:cNvSpPr txBox="1"/>
+          <p:nvPr/>
+        </p:nvSpPr>
+        <p:spPr>
+          <a:xfrm>
+            <a:off x="0" y="5342585"/>
+            <a:ext cx="12192000" cy="769441"/>
+          </a:xfrm>
+          <a:prstGeom prst="rect">
+            <a:avLst/>
+          </a:prstGeom>
+          <a:noFill/>
+        </p:spPr>
+        <p:txBody>
+          <a:bodyPr wrap="square" rtlCol="0">
+            <a:spAutoFit/>
+          </a:bodyPr>
+          <a:lstStyle/>
+          <a:p>
+            <a:pPr algn="ctr"/>
+            <a:r>
+              <a:rPr lang="en-US" sz="4400" b="1" dirty="0" smtClean="0">
+                <a:solidFill>
+                  <a:srgbClr val="660033"/>
+                </a:solidFill>
+                <a:effectLst/>
+                <a:latin typeface="Microsoft JhengHei" panose="020B0604030504040204" pitchFamily="34" charset="-120"/>
+                <a:ea typeface="Microsoft JhengHei" panose="020B0604030504040204" pitchFamily="34" charset="-120"/>
+              </a:rPr>
+              <a:t>( </a:t>
+            </a:r>
+            <a:r>
+              <a:rPr lang="zh-CN" altLang="en-US" sz="4400" b="1" dirty="0" smtClean="0">
+                <a:solidFill>
+                  <a:srgbClr val="660033"/>
+                </a:solidFill>
+                <a:effectLst/>
+                <a:latin typeface="Microsoft JhengHei" panose="020B0604030504040204" pitchFamily="34" charset="-120"/>
+                <a:ea typeface="Microsoft JhengHei" panose="020B0604030504040204" pitchFamily="34" charset="-120"/>
+              </a:rPr>
+              <a:t>正 </a:t>
+            </a:r>
+            <a:r>
+              <a:rPr lang="en-US" altLang="zh-CN" sz="4400" b="1" dirty="0" smtClean="0">
+                <a:solidFill>
+                  <a:srgbClr val="660033"/>
+                </a:solidFill>
+                <a:effectLst/>
+                <a:latin typeface="Microsoft JhengHei" panose="020B0604030504040204" pitchFamily="34" charset="-120"/>
+                <a:ea typeface="Microsoft JhengHei" panose="020B0604030504040204" pitchFamily="34" charset="-120"/>
+              </a:rPr>
+              <a:t>1</a:t>
+            </a:r>
+            <a:r>
+              <a:rPr lang="en-US" sz="4400" b="1" dirty="0" smtClean="0">
+                <a:solidFill>
+                  <a:srgbClr val="660033"/>
+                </a:solidFill>
+                <a:effectLst/>
+                <a:latin typeface="Microsoft JhengHei" panose="020B0604030504040204" pitchFamily="34" charset="-120"/>
+                <a:ea typeface="Microsoft JhengHei" panose="020B0604030504040204" pitchFamily="34" charset="-120"/>
+              </a:rPr>
+              <a:t> </a:t>
+            </a:r>
+            <a:r>
+              <a:rPr lang="en-US" sz="4400" b="1" dirty="0" smtClean="0">
+                <a:solidFill>
+                  <a:srgbClr val="660033"/>
+                </a:solidFill>
+                <a:effectLst/>
+                <a:latin typeface="Microsoft JhengHei" panose="020B0604030504040204" pitchFamily="34" charset="-120"/>
+                <a:ea typeface="Microsoft JhengHei" panose="020B0604030504040204" pitchFamily="34" charset="-120"/>
+              </a:rPr>
+              <a:t>)</a:t>
+            </a:r>
+            <a:endParaRPr lang="vi-VN" sz="4400" b="1" dirty="0">
+              <a:solidFill>
+                <a:srgbClr val="660033"/>
+              </a:solidFill>
+              <a:effectLst/>
+              <a:ea typeface="Microsoft JhengHei" panose="020B0604030504040204" pitchFamily="34" charset="-120"/>
             </a:endParaRPr>
           </a:p>
         </p:txBody>
@@ -3863,17 +4138,7 @@
                 <a:latin typeface="Microsoft JhengHei" pitchFamily="34" charset="-120"/>
                 <a:ea typeface="Microsoft JhengHei" pitchFamily="34" charset="-120"/>
               </a:rPr>
-              <a:t>唯有祂從死裡復</a:t>
-            </a:r>
-            <a:r>
-              <a:rPr lang="zh-TW" altLang="en-US" sz="6400" b="1" dirty="0">
-                <a:solidFill>
-                  <a:srgbClr val="660033"/>
-                </a:solidFill>
-                <a:latin typeface="Microsoft JhengHei" pitchFamily="34" charset="-120"/>
-                <a:ea typeface="Microsoft JhengHei" pitchFamily="34" charset="-120"/>
-              </a:rPr>
-              <a:t>活</a:t>
+              <a:t>唯有祂從死裡復活</a:t>
             </a:r>
             <a:endParaRPr lang="en-US" altLang="zh-TW" sz="6400" b="1" dirty="0">
               <a:solidFill>
@@ -3895,17 +4160,7 @@
                 <a:latin typeface="Microsoft JhengHei" pitchFamily="34" charset="-120"/>
                 <a:ea typeface="Microsoft JhengHei" pitchFamily="34" charset="-120"/>
               </a:rPr>
-              <a:t>我</a:t>
-            </a:r>
-            <a:r>
-              <a:rPr lang="zh-TW" altLang="en-US" sz="6400" b="1" dirty="0">
-                <a:solidFill>
-                  <a:srgbClr val="660033"/>
-                </a:solidFill>
-                <a:latin typeface="Microsoft JhengHei" pitchFamily="34" charset="-120"/>
-                <a:ea typeface="Microsoft JhengHei" pitchFamily="34" charset="-120"/>
-              </a:rPr>
-              <a:t>要敬拜祂</a:t>
+              <a:t>我要敬拜祂</a:t>
             </a:r>
             <a:endParaRPr lang="en-US" altLang="zh-TW" sz="6400" b="1" dirty="0">
               <a:solidFill>
@@ -3913,6 +4168,94 @@
               </a:solidFill>
               <a:latin typeface="Microsoft JhengHei" pitchFamily="34" charset="-120"/>
               <a:ea typeface="Microsoft JhengHei" pitchFamily="34" charset="-120"/>
+            </a:endParaRPr>
+          </a:p>
+        </p:txBody>
+      </p:sp>
+      <p:sp>
+        <p:nvSpPr>
+          <p:cNvPr id="3" name="TextBox 2"/>
+          <p:cNvSpPr txBox="1"/>
+          <p:nvPr/>
+        </p:nvSpPr>
+        <p:spPr>
+          <a:xfrm>
+            <a:off x="0" y="5342585"/>
+            <a:ext cx="12192000" cy="769441"/>
+          </a:xfrm>
+          <a:prstGeom prst="rect">
+            <a:avLst/>
+          </a:prstGeom>
+          <a:noFill/>
+        </p:spPr>
+        <p:txBody>
+          <a:bodyPr wrap="square" rtlCol="0">
+            <a:spAutoFit/>
+          </a:bodyPr>
+          <a:lstStyle/>
+          <a:p>
+            <a:pPr algn="ctr"/>
+            <a:r>
+              <a:rPr lang="en-US" sz="4400" b="1" dirty="0" smtClean="0">
+                <a:solidFill>
+                  <a:srgbClr val="660033"/>
+                </a:solidFill>
+                <a:effectLst/>
+                <a:latin typeface="Microsoft JhengHei" panose="020B0604030504040204" pitchFamily="34" charset="-120"/>
+                <a:ea typeface="Microsoft JhengHei" panose="020B0604030504040204" pitchFamily="34" charset="-120"/>
+              </a:rPr>
+              <a:t>( </a:t>
+            </a:r>
+            <a:r>
+              <a:rPr lang="zh-CN" altLang="en-US" sz="4400" b="1" dirty="0" smtClean="0">
+                <a:solidFill>
+                  <a:srgbClr val="660033"/>
+                </a:solidFill>
+                <a:effectLst/>
+                <a:latin typeface="Microsoft JhengHei" panose="020B0604030504040204" pitchFamily="34" charset="-120"/>
+                <a:ea typeface="Microsoft JhengHei" panose="020B0604030504040204" pitchFamily="34" charset="-120"/>
+              </a:rPr>
+              <a:t>正 </a:t>
+            </a:r>
+            <a:r>
+              <a:rPr lang="en-US" altLang="zh-CN" sz="4400" b="1" dirty="0" smtClean="0">
+                <a:solidFill>
+                  <a:srgbClr val="660033"/>
+                </a:solidFill>
+                <a:effectLst/>
+                <a:latin typeface="Microsoft JhengHei" panose="020B0604030504040204" pitchFamily="34" charset="-120"/>
+                <a:ea typeface="Microsoft JhengHei" panose="020B0604030504040204" pitchFamily="34" charset="-120"/>
+              </a:rPr>
+              <a:t>1</a:t>
+            </a:r>
+            <a:r>
+              <a:rPr lang="en-US" sz="4400" b="1" dirty="0" smtClean="0">
+                <a:solidFill>
+                  <a:srgbClr val="660033"/>
+                </a:solidFill>
+                <a:effectLst/>
+                <a:latin typeface="Microsoft JhengHei" panose="020B0604030504040204" pitchFamily="34" charset="-120"/>
+                <a:ea typeface="Microsoft JhengHei" panose="020B0604030504040204" pitchFamily="34" charset="-120"/>
+              </a:rPr>
+              <a:t> </a:t>
+            </a:r>
+            <a:r>
+              <a:rPr lang="en-US" sz="4400" b="1" dirty="0" smtClean="0">
+                <a:solidFill>
+                  <a:srgbClr val="660033"/>
+                </a:solidFill>
+                <a:effectLst/>
+                <a:latin typeface="Microsoft JhengHei" panose="020B0604030504040204" pitchFamily="34" charset="-120"/>
+                <a:ea typeface="Microsoft JhengHei" panose="020B0604030504040204" pitchFamily="34" charset="-120"/>
+              </a:rPr>
+              <a:t>)</a:t>
+            </a:r>
+            <a:endParaRPr lang="vi-VN" sz="4400" b="1" dirty="0">
+              <a:solidFill>
+                <a:srgbClr val="660033"/>
+              </a:solidFill>
+              <a:effectLst/>
+              <a:ea typeface="Microsoft JhengHei" panose="020B0604030504040204" pitchFamily="34" charset="-120"/>
             </a:endParaRPr>
           </a:p>
         </p:txBody>
@@ -3980,37 +4323,7 @@
                 <a:latin typeface="Microsoft JhengHei" pitchFamily="34" charset="-120"/>
                 <a:ea typeface="Microsoft JhengHei" pitchFamily="34" charset="-120"/>
               </a:rPr>
-              <a:t>萬膝要跪</a:t>
-            </a:r>
-            <a:r>
-              <a:rPr lang="zh-TW" altLang="en-US" sz="6400" b="1" dirty="0">
-                <a:solidFill>
-                  <a:srgbClr val="660033"/>
-                </a:solidFill>
-                <a:latin typeface="Microsoft JhengHei" pitchFamily="34" charset="-120"/>
-                <a:ea typeface="Microsoft JhengHei" pitchFamily="34" charset="-120"/>
-              </a:rPr>
-              <a:t>拜  萬</a:t>
-            </a:r>
-            <a:r>
-              <a:rPr lang="zh-TW" altLang="en-US" sz="6400" b="1" dirty="0">
-                <a:solidFill>
-                  <a:srgbClr val="660033"/>
-                </a:solidFill>
-                <a:latin typeface="Microsoft JhengHei" pitchFamily="34" charset="-120"/>
-                <a:ea typeface="Microsoft JhengHei" pitchFamily="34" charset="-120"/>
-              </a:rPr>
-              <a:t>口要承</a:t>
-            </a:r>
-            <a:r>
-              <a:rPr lang="zh-TW" altLang="en-US" sz="6400" b="1" dirty="0">
-                <a:solidFill>
-                  <a:srgbClr val="660033"/>
-                </a:solidFill>
-                <a:latin typeface="Microsoft JhengHei" pitchFamily="34" charset="-120"/>
-                <a:ea typeface="Microsoft JhengHei" pitchFamily="34" charset="-120"/>
-              </a:rPr>
-              <a:t>認</a:t>
+              <a:t>萬膝要跪拜  萬口要承認</a:t>
             </a:r>
             <a:endParaRPr lang="en-US" altLang="zh-TW" sz="6400" b="1" dirty="0">
               <a:solidFill>
@@ -4053,7 +4366,7 @@
         <p:spPr>
           <a:xfrm>
             <a:off x="0" y="5253203"/>
-            <a:ext cx="12192000" cy="748988"/>
+            <a:ext cx="12192000" cy="769441"/>
           </a:xfrm>
           <a:prstGeom prst="rect">
             <a:avLst/>
@@ -4068,12 +4381,50 @@
           <a:p>
             <a:pPr algn="ctr"/>
             <a:r>
+              <a:rPr lang="en-US" sz="4000" b="1" dirty="0">
+                <a:solidFill>
+                  <a:srgbClr val="660033"/>
+                </a:solidFill>
+                <a:latin typeface="Microsoft JhengHei" panose="020B0604030504040204" pitchFamily="34" charset="-120"/>
+                <a:ea typeface="Microsoft JhengHei" panose="020B0604030504040204" pitchFamily="34" charset="-120"/>
+              </a:rPr>
+              <a:t>( </a:t>
+            </a:r>
+            <a:r>
+              <a:rPr lang="zh-CN" altLang="en-US" sz="4000" b="1" dirty="0" smtClean="0">
+                <a:solidFill>
+                  <a:srgbClr val="660033"/>
+                </a:solidFill>
+                <a:latin typeface="Microsoft JhengHei" panose="020B0604030504040204" pitchFamily="34" charset="-120"/>
+                <a:ea typeface="Microsoft JhengHei" panose="020B0604030504040204" pitchFamily="34" charset="-120"/>
+              </a:rPr>
+              <a:t>副</a:t>
+            </a:r>
+            <a:r>
+              <a:rPr lang="en-US" sz="4000" b="1" dirty="0" smtClean="0">
+                <a:solidFill>
+                  <a:srgbClr val="660033"/>
+                </a:solidFill>
+                <a:latin typeface="Microsoft JhengHei" panose="020B0604030504040204" pitchFamily="34" charset="-120"/>
+                <a:ea typeface="Microsoft JhengHei" panose="020B0604030504040204" pitchFamily="34" charset="-120"/>
+              </a:rPr>
+              <a:t> ) </a:t>
+            </a:r>
+            <a:r>
+              <a:rPr lang="en-US" sz="4267" b="1" dirty="0" smtClean="0">
+                <a:solidFill>
+                  <a:srgbClr val="660033"/>
+                </a:solidFill>
+              </a:rPr>
+              <a:t>( </a:t>
+            </a:r>
+            <a:r>
               <a:rPr lang="en-US" sz="4267" b="1" dirty="0">
                 <a:solidFill>
                   <a:srgbClr val="660033"/>
                 </a:solidFill>
               </a:rPr>
-              <a:t>( x2 )</a:t>
+              <a:t>x2 )</a:t>
             </a:r>
             <a:endParaRPr lang="vi-VN" sz="4267" b="1" dirty="0">
               <a:solidFill>
@@ -4146,37 +4497,7 @@
                 <a:latin typeface="Microsoft JhengHei" pitchFamily="34" charset="-120"/>
                 <a:ea typeface="Microsoft JhengHei" pitchFamily="34" charset="-120"/>
               </a:rPr>
-              <a:t>高唱榮</a:t>
-            </a:r>
-            <a:r>
-              <a:rPr lang="zh-TW" altLang="en-US" sz="6400" b="1" dirty="0">
-                <a:solidFill>
-                  <a:srgbClr val="660033"/>
-                </a:solidFill>
-                <a:latin typeface="Microsoft JhengHei" pitchFamily="34" charset="-120"/>
-                <a:ea typeface="Microsoft JhengHei" pitchFamily="34" charset="-120"/>
-              </a:rPr>
-              <a:t>耀  哈</a:t>
-            </a:r>
-            <a:r>
-              <a:rPr lang="zh-TW" altLang="en-US" sz="6400" b="1" dirty="0">
-                <a:solidFill>
-                  <a:srgbClr val="660033"/>
-                </a:solidFill>
-                <a:latin typeface="Microsoft JhengHei" pitchFamily="34" charset="-120"/>
-                <a:ea typeface="Microsoft JhengHei" pitchFamily="34" charset="-120"/>
-              </a:rPr>
-              <a:t>利路</a:t>
-            </a:r>
-            <a:r>
-              <a:rPr lang="zh-TW" altLang="en-US" sz="6400" b="1" dirty="0">
-                <a:solidFill>
-                  <a:srgbClr val="660033"/>
-                </a:solidFill>
-                <a:latin typeface="Microsoft JhengHei" pitchFamily="34" charset="-120"/>
-                <a:ea typeface="Microsoft JhengHei" pitchFamily="34" charset="-120"/>
-              </a:rPr>
-              <a:t>亞</a:t>
+              <a:t>高唱榮耀  哈利路亞</a:t>
             </a:r>
             <a:endParaRPr lang="en-US" altLang="zh-TW" sz="6400" b="1" dirty="0">
               <a:solidFill>
@@ -4198,37 +4519,7 @@
                 <a:latin typeface="Microsoft JhengHei" pitchFamily="34" charset="-120"/>
                 <a:ea typeface="Microsoft JhengHei" pitchFamily="34" charset="-120"/>
               </a:rPr>
-              <a:t>歡</a:t>
-            </a:r>
-            <a:r>
-              <a:rPr lang="zh-TW" altLang="en-US" sz="6400" b="1" dirty="0">
-                <a:solidFill>
-                  <a:srgbClr val="660033"/>
-                </a:solidFill>
-                <a:latin typeface="Microsoft JhengHei" pitchFamily="34" charset="-120"/>
-                <a:ea typeface="Microsoft JhengHei" pitchFamily="34" charset="-120"/>
-              </a:rPr>
-              <a:t>呼榮</a:t>
-            </a:r>
-            <a:r>
-              <a:rPr lang="zh-TW" altLang="en-US" sz="6400" b="1" dirty="0">
-                <a:solidFill>
-                  <a:srgbClr val="660033"/>
-                </a:solidFill>
-                <a:latin typeface="Microsoft JhengHei" pitchFamily="34" charset="-120"/>
-                <a:ea typeface="Microsoft JhengHei" pitchFamily="34" charset="-120"/>
-              </a:rPr>
-              <a:t>耀  哈</a:t>
-            </a:r>
-            <a:r>
-              <a:rPr lang="zh-TW" altLang="en-US" sz="6400" b="1" dirty="0">
-                <a:solidFill>
-                  <a:srgbClr val="660033"/>
-                </a:solidFill>
-                <a:latin typeface="Microsoft JhengHei" pitchFamily="34" charset="-120"/>
-                <a:ea typeface="Microsoft JhengHei" pitchFamily="34" charset="-120"/>
-              </a:rPr>
-              <a:t>利路亞</a:t>
+              <a:t>歡呼榮耀  哈利路亞</a:t>
             </a:r>
             <a:endParaRPr lang="en-US" altLang="zh-TW" sz="6400" b="1" dirty="0">
               <a:solidFill>
@@ -4236,6 +4527,94 @@
               </a:solidFill>
               <a:latin typeface="Microsoft JhengHei" pitchFamily="34" charset="-120"/>
               <a:ea typeface="Microsoft JhengHei" pitchFamily="34" charset="-120"/>
+            </a:endParaRPr>
+          </a:p>
+        </p:txBody>
+      </p:sp>
+      <p:sp>
+        <p:nvSpPr>
+          <p:cNvPr id="3" name="TextBox 2"/>
+          <p:cNvSpPr txBox="1"/>
+          <p:nvPr/>
+        </p:nvSpPr>
+        <p:spPr>
+          <a:xfrm>
+            <a:off x="0" y="5342585"/>
+            <a:ext cx="12192000" cy="769441"/>
+          </a:xfrm>
+          <a:prstGeom prst="rect">
+            <a:avLst/>
+          </a:prstGeom>
+          <a:noFill/>
+        </p:spPr>
+        <p:txBody>
+          <a:bodyPr wrap="square" rtlCol="0">
+            <a:spAutoFit/>
+          </a:bodyPr>
+          <a:lstStyle/>
+          <a:p>
+            <a:pPr algn="ctr"/>
+            <a:r>
+              <a:rPr lang="en-US" sz="4400" b="1" dirty="0" smtClean="0">
+                <a:solidFill>
+                  <a:srgbClr val="660033"/>
+                </a:solidFill>
+                <a:effectLst/>
+                <a:latin typeface="Microsoft JhengHei" panose="020B0604030504040204" pitchFamily="34" charset="-120"/>
+                <a:ea typeface="Microsoft JhengHei" panose="020B0604030504040204" pitchFamily="34" charset="-120"/>
+              </a:rPr>
+              <a:t>( </a:t>
+            </a:r>
+            <a:r>
+              <a:rPr lang="zh-CN" altLang="en-US" sz="4400" b="1" dirty="0" smtClean="0">
+                <a:solidFill>
+                  <a:srgbClr val="660033"/>
+                </a:solidFill>
+                <a:effectLst/>
+                <a:latin typeface="Microsoft JhengHei" panose="020B0604030504040204" pitchFamily="34" charset="-120"/>
+                <a:ea typeface="Microsoft JhengHei" panose="020B0604030504040204" pitchFamily="34" charset="-120"/>
+              </a:rPr>
+              <a:t>正 </a:t>
+            </a:r>
+            <a:r>
+              <a:rPr lang="en-US" altLang="zh-CN" sz="4400" b="1" dirty="0">
+                <a:solidFill>
+                  <a:srgbClr val="660033"/>
+                </a:solidFill>
+                <a:effectLst/>
+                <a:latin typeface="Microsoft JhengHei" panose="020B0604030504040204" pitchFamily="34" charset="-120"/>
+                <a:ea typeface="Microsoft JhengHei" panose="020B0604030504040204" pitchFamily="34" charset="-120"/>
+              </a:rPr>
+              <a:t>2</a:t>
+            </a:r>
+            <a:r>
+              <a:rPr lang="en-US" sz="4400" b="1" dirty="0" smtClean="0">
+                <a:solidFill>
+                  <a:srgbClr val="660033"/>
+                </a:solidFill>
+                <a:effectLst/>
+                <a:latin typeface="Microsoft JhengHei" panose="020B0604030504040204" pitchFamily="34" charset="-120"/>
+                <a:ea typeface="Microsoft JhengHei" panose="020B0604030504040204" pitchFamily="34" charset="-120"/>
+              </a:rPr>
+              <a:t> </a:t>
+            </a:r>
+            <a:r>
+              <a:rPr lang="en-US" sz="4400" b="1" dirty="0" smtClean="0">
+                <a:solidFill>
+                  <a:srgbClr val="660033"/>
+                </a:solidFill>
+                <a:effectLst/>
+                <a:latin typeface="Microsoft JhengHei" panose="020B0604030504040204" pitchFamily="34" charset="-120"/>
+                <a:ea typeface="Microsoft JhengHei" panose="020B0604030504040204" pitchFamily="34" charset="-120"/>
+              </a:rPr>
+              <a:t>)</a:t>
+            </a:r>
+            <a:endParaRPr lang="vi-VN" sz="4400" b="1" dirty="0">
+              <a:solidFill>
+                <a:srgbClr val="660033"/>
+              </a:solidFill>
+              <a:effectLst/>
+              <a:ea typeface="Microsoft JhengHei" panose="020B0604030504040204" pitchFamily="34" charset="-120"/>
             </a:endParaRPr>
           </a:p>
         </p:txBody>
@@ -4303,17 +4682,7 @@
                 <a:latin typeface="Microsoft JhengHei" pitchFamily="34" charset="-120"/>
                 <a:ea typeface="Microsoft JhengHei" pitchFamily="34" charset="-120"/>
               </a:rPr>
-              <a:t>祂是我的主我的</a:t>
-            </a:r>
-            <a:r>
-              <a:rPr lang="zh-TW" altLang="en-US" sz="6400" b="1" dirty="0">
-                <a:solidFill>
-                  <a:srgbClr val="660033"/>
-                </a:solidFill>
-                <a:latin typeface="Microsoft JhengHei" pitchFamily="34" charset="-120"/>
-                <a:ea typeface="Microsoft JhengHei" pitchFamily="34" charset="-120"/>
-              </a:rPr>
-              <a:t>王</a:t>
+              <a:t>祂是我的主我的王</a:t>
             </a:r>
             <a:endParaRPr lang="en-US" altLang="zh-TW" sz="6400" b="1" dirty="0">
               <a:solidFill>
@@ -4335,17 +4704,7 @@
                 <a:latin typeface="Microsoft JhengHei" pitchFamily="34" charset="-120"/>
                 <a:ea typeface="Microsoft JhengHei" pitchFamily="34" charset="-120"/>
               </a:rPr>
-              <a:t>我</a:t>
-            </a:r>
-            <a:r>
-              <a:rPr lang="zh-TW" altLang="en-US" sz="6400" b="1" dirty="0">
-                <a:solidFill>
-                  <a:srgbClr val="660033"/>
-                </a:solidFill>
-                <a:latin typeface="Microsoft JhengHei" pitchFamily="34" charset="-120"/>
-                <a:ea typeface="Microsoft JhengHei" pitchFamily="34" charset="-120"/>
-              </a:rPr>
-              <a:t>要敬拜祂</a:t>
+              <a:t>我要敬拜祂</a:t>
             </a:r>
             <a:endParaRPr lang="en-US" altLang="zh-TW" sz="6400" b="1" dirty="0">
               <a:solidFill>
@@ -4353,6 +4712,94 @@
               </a:solidFill>
               <a:latin typeface="Microsoft JhengHei" pitchFamily="34" charset="-120"/>
               <a:ea typeface="Microsoft JhengHei" pitchFamily="34" charset="-120"/>
+            </a:endParaRPr>
+          </a:p>
+        </p:txBody>
+      </p:sp>
+      <p:sp>
+        <p:nvSpPr>
+          <p:cNvPr id="3" name="TextBox 2"/>
+          <p:cNvSpPr txBox="1"/>
+          <p:nvPr/>
+        </p:nvSpPr>
+        <p:spPr>
+          <a:xfrm>
+            <a:off x="0" y="5342585"/>
+            <a:ext cx="12192000" cy="769441"/>
+          </a:xfrm>
+          <a:prstGeom prst="rect">
+            <a:avLst/>
+          </a:prstGeom>
+          <a:noFill/>
+        </p:spPr>
+        <p:txBody>
+          <a:bodyPr wrap="square" rtlCol="0">
+            <a:spAutoFit/>
+          </a:bodyPr>
+          <a:lstStyle/>
+          <a:p>
+            <a:pPr algn="ctr"/>
+            <a:r>
+              <a:rPr lang="en-US" sz="4400" b="1" dirty="0" smtClean="0">
+                <a:solidFill>
+                  <a:srgbClr val="660033"/>
+                </a:solidFill>
+                <a:effectLst/>
+                <a:latin typeface="Microsoft JhengHei" panose="020B0604030504040204" pitchFamily="34" charset="-120"/>
+                <a:ea typeface="Microsoft JhengHei" panose="020B0604030504040204" pitchFamily="34" charset="-120"/>
+              </a:rPr>
+              <a:t>( </a:t>
+            </a:r>
+            <a:r>
+              <a:rPr lang="zh-CN" altLang="en-US" sz="4400" b="1" dirty="0" smtClean="0">
+                <a:solidFill>
+                  <a:srgbClr val="660033"/>
+                </a:solidFill>
+                <a:effectLst/>
+                <a:latin typeface="Microsoft JhengHei" panose="020B0604030504040204" pitchFamily="34" charset="-120"/>
+                <a:ea typeface="Microsoft JhengHei" panose="020B0604030504040204" pitchFamily="34" charset="-120"/>
+              </a:rPr>
+              <a:t>正 </a:t>
+            </a:r>
+            <a:r>
+              <a:rPr lang="en-US" altLang="zh-CN" sz="4400" b="1" dirty="0">
+                <a:solidFill>
+                  <a:srgbClr val="660033"/>
+                </a:solidFill>
+                <a:effectLst/>
+                <a:latin typeface="Microsoft JhengHei" panose="020B0604030504040204" pitchFamily="34" charset="-120"/>
+                <a:ea typeface="Microsoft JhengHei" panose="020B0604030504040204" pitchFamily="34" charset="-120"/>
+              </a:rPr>
+              <a:t>2</a:t>
+            </a:r>
+            <a:r>
+              <a:rPr lang="en-US" sz="4400" b="1" dirty="0" smtClean="0">
+                <a:solidFill>
+                  <a:srgbClr val="660033"/>
+                </a:solidFill>
+                <a:effectLst/>
+                <a:latin typeface="Microsoft JhengHei" panose="020B0604030504040204" pitchFamily="34" charset="-120"/>
+                <a:ea typeface="Microsoft JhengHei" panose="020B0604030504040204" pitchFamily="34" charset="-120"/>
+              </a:rPr>
+              <a:t> </a:t>
+            </a:r>
+            <a:r>
+              <a:rPr lang="en-US" sz="4400" b="1" dirty="0" smtClean="0">
+                <a:solidFill>
+                  <a:srgbClr val="660033"/>
+                </a:solidFill>
+                <a:effectLst/>
+                <a:latin typeface="Microsoft JhengHei" panose="020B0604030504040204" pitchFamily="34" charset="-120"/>
+                <a:ea typeface="Microsoft JhengHei" panose="020B0604030504040204" pitchFamily="34" charset="-120"/>
+              </a:rPr>
+              <a:t>)</a:t>
+            </a:r>
+            <a:endParaRPr lang="vi-VN" sz="4400" b="1" dirty="0">
+              <a:solidFill>
+                <a:srgbClr val="660033"/>
+              </a:solidFill>
+              <a:effectLst/>
+              <a:ea typeface="Microsoft JhengHei" panose="020B0604030504040204" pitchFamily="34" charset="-120"/>
             </a:endParaRPr>
           </a:p>
         </p:txBody>
@@ -4420,37 +4867,7 @@
                 <a:latin typeface="Microsoft JhengHei" pitchFamily="34" charset="-120"/>
                 <a:ea typeface="Microsoft JhengHei" pitchFamily="34" charset="-120"/>
               </a:rPr>
-              <a:t>高唱榮</a:t>
-            </a:r>
-            <a:r>
-              <a:rPr lang="zh-TW" altLang="en-US" sz="6400" b="1" dirty="0">
-                <a:solidFill>
-                  <a:srgbClr val="660033"/>
-                </a:solidFill>
-                <a:latin typeface="Microsoft JhengHei" pitchFamily="34" charset="-120"/>
-                <a:ea typeface="Microsoft JhengHei" pitchFamily="34" charset="-120"/>
-              </a:rPr>
-              <a:t>耀  哈</a:t>
-            </a:r>
-            <a:r>
-              <a:rPr lang="zh-TW" altLang="en-US" sz="6400" b="1" dirty="0">
-                <a:solidFill>
-                  <a:srgbClr val="660033"/>
-                </a:solidFill>
-                <a:latin typeface="Microsoft JhengHei" pitchFamily="34" charset="-120"/>
-                <a:ea typeface="Microsoft JhengHei" pitchFamily="34" charset="-120"/>
-              </a:rPr>
-              <a:t>利路</a:t>
-            </a:r>
-            <a:r>
-              <a:rPr lang="zh-TW" altLang="en-US" sz="6400" b="1" dirty="0">
-                <a:solidFill>
-                  <a:srgbClr val="660033"/>
-                </a:solidFill>
-                <a:latin typeface="Microsoft JhengHei" pitchFamily="34" charset="-120"/>
-                <a:ea typeface="Microsoft JhengHei" pitchFamily="34" charset="-120"/>
-              </a:rPr>
-              <a:t>亞</a:t>
+              <a:t>高唱榮耀  哈利路亞</a:t>
             </a:r>
             <a:endParaRPr lang="en-US" altLang="zh-TW" sz="6400" b="1" dirty="0">
               <a:solidFill>
@@ -4472,37 +4889,7 @@
                 <a:latin typeface="Microsoft JhengHei" pitchFamily="34" charset="-120"/>
                 <a:ea typeface="Microsoft JhengHei" pitchFamily="34" charset="-120"/>
               </a:rPr>
-              <a:t>歡</a:t>
-            </a:r>
-            <a:r>
-              <a:rPr lang="zh-TW" altLang="en-US" sz="6400" b="1" dirty="0">
-                <a:solidFill>
-                  <a:srgbClr val="660033"/>
-                </a:solidFill>
-                <a:latin typeface="Microsoft JhengHei" pitchFamily="34" charset="-120"/>
-                <a:ea typeface="Microsoft JhengHei" pitchFamily="34" charset="-120"/>
-              </a:rPr>
-              <a:t>呼榮</a:t>
-            </a:r>
-            <a:r>
-              <a:rPr lang="zh-TW" altLang="en-US" sz="6400" b="1" dirty="0">
-                <a:solidFill>
-                  <a:srgbClr val="660033"/>
-                </a:solidFill>
-                <a:latin typeface="Microsoft JhengHei" pitchFamily="34" charset="-120"/>
-                <a:ea typeface="Microsoft JhengHei" pitchFamily="34" charset="-120"/>
-              </a:rPr>
-              <a:t>耀  哈</a:t>
-            </a:r>
-            <a:r>
-              <a:rPr lang="zh-TW" altLang="en-US" sz="6400" b="1" dirty="0">
-                <a:solidFill>
-                  <a:srgbClr val="660033"/>
-                </a:solidFill>
-                <a:latin typeface="Microsoft JhengHei" pitchFamily="34" charset="-120"/>
-                <a:ea typeface="Microsoft JhengHei" pitchFamily="34" charset="-120"/>
-              </a:rPr>
-              <a:t>利路亞</a:t>
+              <a:t>歡呼榮耀  哈利路亞</a:t>
             </a:r>
             <a:endParaRPr lang="en-US" altLang="zh-TW" sz="6400" b="1" dirty="0">
               <a:solidFill>
@@ -4510,6 +4897,94 @@
               </a:solidFill>
               <a:latin typeface="Microsoft JhengHei" pitchFamily="34" charset="-120"/>
               <a:ea typeface="Microsoft JhengHei" pitchFamily="34" charset="-120"/>
+            </a:endParaRPr>
+          </a:p>
+        </p:txBody>
+      </p:sp>
+      <p:sp>
+        <p:nvSpPr>
+          <p:cNvPr id="3" name="TextBox 2"/>
+          <p:cNvSpPr txBox="1"/>
+          <p:nvPr/>
+        </p:nvSpPr>
+        <p:spPr>
+          <a:xfrm>
+            <a:off x="0" y="5342585"/>
+            <a:ext cx="12192000" cy="769441"/>
+          </a:xfrm>
+          <a:prstGeom prst="rect">
+            <a:avLst/>
+          </a:prstGeom>
+          <a:noFill/>
+        </p:spPr>
+        <p:txBody>
+          <a:bodyPr wrap="square" rtlCol="0">
+            <a:spAutoFit/>
+          </a:bodyPr>
+          <a:lstStyle/>
+          <a:p>
+            <a:pPr algn="ctr"/>
+            <a:r>
+              <a:rPr lang="en-US" sz="4400" b="1" dirty="0" smtClean="0">
+                <a:solidFill>
+                  <a:srgbClr val="660033"/>
+                </a:solidFill>
+                <a:effectLst/>
+                <a:latin typeface="Microsoft JhengHei" panose="020B0604030504040204" pitchFamily="34" charset="-120"/>
+                <a:ea typeface="Microsoft JhengHei" panose="020B0604030504040204" pitchFamily="34" charset="-120"/>
+              </a:rPr>
+              <a:t>( </a:t>
+            </a:r>
+            <a:r>
+              <a:rPr lang="zh-CN" altLang="en-US" sz="4400" b="1" dirty="0" smtClean="0">
+                <a:solidFill>
+                  <a:srgbClr val="660033"/>
+                </a:solidFill>
+                <a:effectLst/>
+                <a:latin typeface="Microsoft JhengHei" panose="020B0604030504040204" pitchFamily="34" charset="-120"/>
+                <a:ea typeface="Microsoft JhengHei" panose="020B0604030504040204" pitchFamily="34" charset="-120"/>
+              </a:rPr>
+              <a:t>正 </a:t>
+            </a:r>
+            <a:r>
+              <a:rPr lang="en-US" altLang="zh-CN" sz="4400" b="1" dirty="0">
+                <a:solidFill>
+                  <a:srgbClr val="660033"/>
+                </a:solidFill>
+                <a:effectLst/>
+                <a:latin typeface="Microsoft JhengHei" panose="020B0604030504040204" pitchFamily="34" charset="-120"/>
+                <a:ea typeface="Microsoft JhengHei" panose="020B0604030504040204" pitchFamily="34" charset="-120"/>
+              </a:rPr>
+              <a:t>2</a:t>
+            </a:r>
+            <a:r>
+              <a:rPr lang="en-US" sz="4400" b="1" dirty="0" smtClean="0">
+                <a:solidFill>
+                  <a:srgbClr val="660033"/>
+                </a:solidFill>
+                <a:effectLst/>
+                <a:latin typeface="Microsoft JhengHei" panose="020B0604030504040204" pitchFamily="34" charset="-120"/>
+                <a:ea typeface="Microsoft JhengHei" panose="020B0604030504040204" pitchFamily="34" charset="-120"/>
+              </a:rPr>
+              <a:t> </a:t>
+            </a:r>
+            <a:r>
+              <a:rPr lang="en-US" sz="4400" b="1" dirty="0" smtClean="0">
+                <a:solidFill>
+                  <a:srgbClr val="660033"/>
+                </a:solidFill>
+                <a:effectLst/>
+                <a:latin typeface="Microsoft JhengHei" panose="020B0604030504040204" pitchFamily="34" charset="-120"/>
+                <a:ea typeface="Microsoft JhengHei" panose="020B0604030504040204" pitchFamily="34" charset="-120"/>
+              </a:rPr>
+              <a:t>)</a:t>
+            </a:r>
+            <a:endParaRPr lang="vi-VN" sz="4400" b="1" dirty="0">
+              <a:solidFill>
+                <a:srgbClr val="660033"/>
+              </a:solidFill>
+              <a:effectLst/>
+              <a:ea typeface="Microsoft JhengHei" panose="020B0604030504040204" pitchFamily="34" charset="-120"/>
             </a:endParaRPr>
           </a:p>
         </p:txBody>

--- a/耶穌基督是主_小羊詩歌.pptx
+++ b/耶穌基督是主_小羊詩歌.pptx
@@ -303,7 +303,7 @@
           <a:p>
             <a:fld id="{73FD648D-8B53-4CD8-850C-5D4A2D6A8C55}" type="datetimeFigureOut">
               <a:rPr lang="vi-VN" smtClean="0"/>
-              <a:t>11/12/2021</a:t>
+              <a:t>15/04/2023</a:t>
             </a:fld>
             <a:endParaRPr lang="vi-VN"/>
           </a:p>
@@ -473,7 +473,7 @@
           <a:p>
             <a:fld id="{73FD648D-8B53-4CD8-850C-5D4A2D6A8C55}" type="datetimeFigureOut">
               <a:rPr lang="vi-VN" smtClean="0"/>
-              <a:t>11/12/2021</a:t>
+              <a:t>15/04/2023</a:t>
             </a:fld>
             <a:endParaRPr lang="vi-VN"/>
           </a:p>
@@ -653,7 +653,7 @@
           <a:p>
             <a:fld id="{73FD648D-8B53-4CD8-850C-5D4A2D6A8C55}" type="datetimeFigureOut">
               <a:rPr lang="vi-VN" smtClean="0"/>
-              <a:t>11/12/2021</a:t>
+              <a:t>15/04/2023</a:t>
             </a:fld>
             <a:endParaRPr lang="vi-VN"/>
           </a:p>
@@ -823,7 +823,7 @@
           <a:p>
             <a:fld id="{73FD648D-8B53-4CD8-850C-5D4A2D6A8C55}" type="datetimeFigureOut">
               <a:rPr lang="vi-VN" smtClean="0"/>
-              <a:t>11/12/2021</a:t>
+              <a:t>15/04/2023</a:t>
             </a:fld>
             <a:endParaRPr lang="vi-VN"/>
           </a:p>
@@ -1069,7 +1069,7 @@
           <a:p>
             <a:fld id="{73FD648D-8B53-4CD8-850C-5D4A2D6A8C55}" type="datetimeFigureOut">
               <a:rPr lang="vi-VN" smtClean="0"/>
-              <a:t>11/12/2021</a:t>
+              <a:t>15/04/2023</a:t>
             </a:fld>
             <a:endParaRPr lang="vi-VN"/>
           </a:p>
@@ -1357,7 +1357,7 @@
           <a:p>
             <a:fld id="{73FD648D-8B53-4CD8-850C-5D4A2D6A8C55}" type="datetimeFigureOut">
               <a:rPr lang="vi-VN" smtClean="0"/>
-              <a:t>11/12/2021</a:t>
+              <a:t>15/04/2023</a:t>
             </a:fld>
             <a:endParaRPr lang="vi-VN"/>
           </a:p>
@@ -1779,7 +1779,7 @@
           <a:p>
             <a:fld id="{73FD648D-8B53-4CD8-850C-5D4A2D6A8C55}" type="datetimeFigureOut">
               <a:rPr lang="vi-VN" smtClean="0"/>
-              <a:t>11/12/2021</a:t>
+              <a:t>15/04/2023</a:t>
             </a:fld>
             <a:endParaRPr lang="vi-VN"/>
           </a:p>
@@ -1897,7 +1897,7 @@
           <a:p>
             <a:fld id="{73FD648D-8B53-4CD8-850C-5D4A2D6A8C55}" type="datetimeFigureOut">
               <a:rPr lang="vi-VN" smtClean="0"/>
-              <a:t>11/12/2021</a:t>
+              <a:t>15/04/2023</a:t>
             </a:fld>
             <a:endParaRPr lang="vi-VN"/>
           </a:p>
@@ -1992,7 +1992,7 @@
           <a:p>
             <a:fld id="{73FD648D-8B53-4CD8-850C-5D4A2D6A8C55}" type="datetimeFigureOut">
               <a:rPr lang="vi-VN" smtClean="0"/>
-              <a:t>11/12/2021</a:t>
+              <a:t>15/04/2023</a:t>
             </a:fld>
             <a:endParaRPr lang="vi-VN"/>
           </a:p>
@@ -2269,7 +2269,7 @@
           <a:p>
             <a:fld id="{73FD648D-8B53-4CD8-850C-5D4A2D6A8C55}" type="datetimeFigureOut">
               <a:rPr lang="vi-VN" smtClean="0"/>
-              <a:t>11/12/2021</a:t>
+              <a:t>15/04/2023</a:t>
             </a:fld>
             <a:endParaRPr lang="vi-VN"/>
           </a:p>
@@ -2526,7 +2526,7 @@
           <a:p>
             <a:fld id="{73FD648D-8B53-4CD8-850C-5D4A2D6A8C55}" type="datetimeFigureOut">
               <a:rPr lang="vi-VN" smtClean="0"/>
-              <a:t>11/12/2021</a:t>
+              <a:t>15/04/2023</a:t>
             </a:fld>
             <a:endParaRPr lang="vi-VN"/>
           </a:p>
@@ -2744,7 +2744,7 @@
           <a:p>
             <a:fld id="{73FD648D-8B53-4CD8-850C-5D4A2D6A8C55}" type="datetimeFigureOut">
               <a:rPr lang="vi-VN" smtClean="0"/>
-              <a:t>11/12/2021</a:t>
+              <a:t>15/04/2023</a:t>
             </a:fld>
             <a:endParaRPr lang="vi-VN"/>
           </a:p>
@@ -3267,7 +3267,7 @@
         <p:spPr>
           <a:xfrm>
             <a:off x="0" y="5342585"/>
-            <a:ext cx="12192000" cy="769441"/>
+            <a:ext cx="12192000" cy="646331"/>
           </a:xfrm>
           <a:prstGeom prst="rect">
             <a:avLst/>
@@ -3282,65 +3282,50 @@
           <a:p>
             <a:pPr algn="ctr"/>
             <a:r>
-              <a:rPr lang="en-US" sz="4400" b="1" dirty="0" smtClean="0">
-                <a:solidFill>
-                  <a:srgbClr val="660033"/>
-                </a:solidFill>
-                <a:effectLst/>
+              <a:rPr lang="en-US" sz="3600" b="1" dirty="0">
+                <a:solidFill>
+                  <a:srgbClr val="660033"/>
+                </a:solidFill>
                 <a:latin typeface="Microsoft JhengHei" panose="020B0604030504040204" pitchFamily="34" charset="-120"/>
                 <a:ea typeface="Microsoft JhengHei" panose="020B0604030504040204" pitchFamily="34" charset="-120"/>
               </a:rPr>
               <a:t>( </a:t>
             </a:r>
             <a:r>
-              <a:rPr lang="zh-CN" altLang="en-US" sz="4400" b="1" dirty="0" smtClean="0">
-                <a:solidFill>
-                  <a:srgbClr val="660033"/>
-                </a:solidFill>
-                <a:effectLst/>
+              <a:rPr lang="zh-CN" altLang="en-US" sz="3600" b="1" dirty="0">
+                <a:solidFill>
+                  <a:srgbClr val="660033"/>
+                </a:solidFill>
                 <a:latin typeface="Microsoft JhengHei" panose="020B0604030504040204" pitchFamily="34" charset="-120"/>
                 <a:ea typeface="Microsoft JhengHei" panose="020B0604030504040204" pitchFamily="34" charset="-120"/>
               </a:rPr>
               <a:t>正 </a:t>
             </a:r>
             <a:r>
-              <a:rPr lang="en-US" altLang="zh-CN" sz="4400" b="1" dirty="0">
-                <a:solidFill>
-                  <a:srgbClr val="660033"/>
-                </a:solidFill>
-                <a:effectLst/>
+              <a:rPr lang="en-US" altLang="zh-CN" sz="3600" b="1" dirty="0">
+                <a:solidFill>
+                  <a:srgbClr val="660033"/>
+                </a:solidFill>
                 <a:latin typeface="Microsoft JhengHei" panose="020B0604030504040204" pitchFamily="34" charset="-120"/>
                 <a:ea typeface="Microsoft JhengHei" panose="020B0604030504040204" pitchFamily="34" charset="-120"/>
               </a:rPr>
               <a:t>2</a:t>
             </a:r>
             <a:r>
-              <a:rPr lang="en-US" sz="4400" b="1" dirty="0" smtClean="0">
-                <a:solidFill>
-                  <a:srgbClr val="660033"/>
-                </a:solidFill>
-                <a:effectLst/>
+              <a:rPr lang="en-US" sz="3600" b="1" dirty="0">
+                <a:solidFill>
+                  <a:srgbClr val="660033"/>
+                </a:solidFill>
                 <a:latin typeface="Microsoft JhengHei" panose="020B0604030504040204" pitchFamily="34" charset="-120"/>
                 <a:ea typeface="Microsoft JhengHei" panose="020B0604030504040204" pitchFamily="34" charset="-120"/>
               </a:rPr>
-              <a:t> </a:t>
-            </a:r>
-            <a:r>
-              <a:rPr lang="en-US" sz="4400" b="1" dirty="0" smtClean="0">
-                <a:solidFill>
-                  <a:srgbClr val="660033"/>
-                </a:solidFill>
-                <a:effectLst/>
-                <a:latin typeface="Microsoft JhengHei" panose="020B0604030504040204" pitchFamily="34" charset="-120"/>
-                <a:ea typeface="Microsoft JhengHei" panose="020B0604030504040204" pitchFamily="34" charset="-120"/>
-              </a:rPr>
-              <a:t>)</a:t>
-            </a:r>
-            <a:endParaRPr lang="vi-VN" sz="4400" b="1" dirty="0">
+              <a:t> )</a:t>
+            </a:r>
+            <a:endParaRPr lang="vi-VN" sz="3600" b="1" dirty="0">
               <a:solidFill>
                 <a:srgbClr val="660033"/>
               </a:solidFill>
-              <a:effectLst/>
+              <a:latin typeface="Microsoft JhengHei" panose="020B0604030504040204" pitchFamily="34" charset="-120"/>
               <a:ea typeface="Microsoft JhengHei" panose="020B0604030504040204" pitchFamily="34" charset="-120"/>
             </a:endParaRPr>
           </a:p>
@@ -3626,7 +3611,7 @@
         <p:spPr>
           <a:xfrm>
             <a:off x="0" y="5342585"/>
-            <a:ext cx="12192000" cy="769441"/>
+            <a:ext cx="12192000" cy="646331"/>
           </a:xfrm>
           <a:prstGeom prst="rect">
             <a:avLst/>
@@ -3641,7 +3626,7 @@
           <a:p>
             <a:pPr algn="ctr"/>
             <a:r>
-              <a:rPr lang="en-US" sz="4400" b="1" dirty="0" smtClean="0">
+              <a:rPr lang="en-US" sz="3600" b="1" dirty="0" smtClean="0">
                 <a:solidFill>
                   <a:srgbClr val="660033"/>
                 </a:solidFill>
@@ -3652,7 +3637,7 @@
               <a:t>( </a:t>
             </a:r>
             <a:r>
-              <a:rPr lang="zh-CN" altLang="en-US" sz="4400" b="1" dirty="0" smtClean="0">
+              <a:rPr lang="zh-CN" altLang="en-US" sz="3600" b="1" dirty="0" smtClean="0">
                 <a:solidFill>
                   <a:srgbClr val="660033"/>
                 </a:solidFill>
@@ -3663,7 +3648,7 @@
               <a:t>正 </a:t>
             </a:r>
             <a:r>
-              <a:rPr lang="en-US" altLang="zh-CN" sz="4400" b="1" dirty="0" smtClean="0">
+              <a:rPr lang="en-US" altLang="zh-CN" sz="3600" b="1" dirty="0" smtClean="0">
                 <a:solidFill>
                   <a:srgbClr val="660033"/>
                 </a:solidFill>
@@ -3674,7 +3659,7 @@
               <a:t>1</a:t>
             </a:r>
             <a:r>
-              <a:rPr lang="en-US" sz="4400" b="1" dirty="0" smtClean="0">
+              <a:rPr lang="en-US" sz="3600" b="1" dirty="0" smtClean="0">
                 <a:solidFill>
                   <a:srgbClr val="660033"/>
                 </a:solidFill>
@@ -3682,20 +3667,9 @@
                 <a:latin typeface="Microsoft JhengHei" panose="020B0604030504040204" pitchFamily="34" charset="-120"/>
                 <a:ea typeface="Microsoft JhengHei" panose="020B0604030504040204" pitchFamily="34" charset="-120"/>
               </a:rPr>
-              <a:t> </a:t>
-            </a:r>
-            <a:r>
-              <a:rPr lang="en-US" sz="4400" b="1" dirty="0" smtClean="0">
-                <a:solidFill>
-                  <a:srgbClr val="660033"/>
-                </a:solidFill>
-                <a:effectLst/>
-                <a:latin typeface="Microsoft JhengHei" panose="020B0604030504040204" pitchFamily="34" charset="-120"/>
-                <a:ea typeface="Microsoft JhengHei" panose="020B0604030504040204" pitchFamily="34" charset="-120"/>
-              </a:rPr>
-              <a:t>)</a:t>
-            </a:r>
-            <a:endParaRPr lang="vi-VN" sz="4400" b="1" dirty="0">
+              <a:t> )</a:t>
+            </a:r>
+            <a:endParaRPr lang="vi-VN" sz="3600" b="1" dirty="0">
               <a:solidFill>
                 <a:srgbClr val="660033"/>
               </a:solidFill>
@@ -3811,7 +3785,7 @@
         <p:spPr>
           <a:xfrm>
             <a:off x="0" y="5342585"/>
-            <a:ext cx="12192000" cy="769441"/>
+            <a:ext cx="12192000" cy="646331"/>
           </a:xfrm>
           <a:prstGeom prst="rect">
             <a:avLst/>
@@ -3826,65 +3800,50 @@
           <a:p>
             <a:pPr algn="ctr"/>
             <a:r>
-              <a:rPr lang="en-US" sz="4400" b="1" dirty="0" smtClean="0">
-                <a:solidFill>
-                  <a:srgbClr val="660033"/>
-                </a:solidFill>
-                <a:effectLst/>
+              <a:rPr lang="en-US" sz="3600" b="1" dirty="0">
+                <a:solidFill>
+                  <a:srgbClr val="660033"/>
+                </a:solidFill>
                 <a:latin typeface="Microsoft JhengHei" panose="020B0604030504040204" pitchFamily="34" charset="-120"/>
                 <a:ea typeface="Microsoft JhengHei" panose="020B0604030504040204" pitchFamily="34" charset="-120"/>
               </a:rPr>
               <a:t>( </a:t>
             </a:r>
             <a:r>
-              <a:rPr lang="zh-CN" altLang="en-US" sz="4400" b="1" dirty="0" smtClean="0">
-                <a:solidFill>
-                  <a:srgbClr val="660033"/>
-                </a:solidFill>
-                <a:effectLst/>
+              <a:rPr lang="zh-CN" altLang="en-US" sz="3600" b="1" dirty="0">
+                <a:solidFill>
+                  <a:srgbClr val="660033"/>
+                </a:solidFill>
                 <a:latin typeface="Microsoft JhengHei" panose="020B0604030504040204" pitchFamily="34" charset="-120"/>
                 <a:ea typeface="Microsoft JhengHei" panose="020B0604030504040204" pitchFamily="34" charset="-120"/>
               </a:rPr>
               <a:t>正 </a:t>
             </a:r>
             <a:r>
-              <a:rPr lang="en-US" altLang="zh-CN" sz="4400" b="1" dirty="0" smtClean="0">
-                <a:solidFill>
-                  <a:srgbClr val="660033"/>
-                </a:solidFill>
-                <a:effectLst/>
+              <a:rPr lang="en-US" altLang="zh-CN" sz="3600" b="1" dirty="0">
+                <a:solidFill>
+                  <a:srgbClr val="660033"/>
+                </a:solidFill>
                 <a:latin typeface="Microsoft JhengHei" panose="020B0604030504040204" pitchFamily="34" charset="-120"/>
                 <a:ea typeface="Microsoft JhengHei" panose="020B0604030504040204" pitchFamily="34" charset="-120"/>
               </a:rPr>
               <a:t>1</a:t>
             </a:r>
             <a:r>
-              <a:rPr lang="en-US" sz="4400" b="1" dirty="0" smtClean="0">
-                <a:solidFill>
-                  <a:srgbClr val="660033"/>
-                </a:solidFill>
-                <a:effectLst/>
+              <a:rPr lang="en-US" sz="3600" b="1" dirty="0">
+                <a:solidFill>
+                  <a:srgbClr val="660033"/>
+                </a:solidFill>
                 <a:latin typeface="Microsoft JhengHei" panose="020B0604030504040204" pitchFamily="34" charset="-120"/>
                 <a:ea typeface="Microsoft JhengHei" panose="020B0604030504040204" pitchFamily="34" charset="-120"/>
               </a:rPr>
-              <a:t> </a:t>
-            </a:r>
-            <a:r>
-              <a:rPr lang="en-US" sz="4400" b="1" dirty="0" smtClean="0">
-                <a:solidFill>
-                  <a:srgbClr val="660033"/>
-                </a:solidFill>
-                <a:effectLst/>
-                <a:latin typeface="Microsoft JhengHei" panose="020B0604030504040204" pitchFamily="34" charset="-120"/>
-                <a:ea typeface="Microsoft JhengHei" panose="020B0604030504040204" pitchFamily="34" charset="-120"/>
-              </a:rPr>
-              <a:t>)</a:t>
-            </a:r>
-            <a:endParaRPr lang="vi-VN" sz="4400" b="1" dirty="0">
+              <a:t> )</a:t>
+            </a:r>
+            <a:endParaRPr lang="vi-VN" sz="3600" b="1" dirty="0">
               <a:solidFill>
                 <a:srgbClr val="660033"/>
               </a:solidFill>
-              <a:effectLst/>
+              <a:latin typeface="Microsoft JhengHei" panose="020B0604030504040204" pitchFamily="34" charset="-120"/>
               <a:ea typeface="Microsoft JhengHei" panose="020B0604030504040204" pitchFamily="34" charset="-120"/>
             </a:endParaRPr>
           </a:p>
@@ -3996,7 +3955,7 @@
         <p:spPr>
           <a:xfrm>
             <a:off x="0" y="5342585"/>
-            <a:ext cx="12192000" cy="769441"/>
+            <a:ext cx="12192000" cy="646331"/>
           </a:xfrm>
           <a:prstGeom prst="rect">
             <a:avLst/>
@@ -4011,65 +3970,50 @@
           <a:p>
             <a:pPr algn="ctr"/>
             <a:r>
-              <a:rPr lang="en-US" sz="4400" b="1" dirty="0" smtClean="0">
-                <a:solidFill>
-                  <a:srgbClr val="660033"/>
-                </a:solidFill>
-                <a:effectLst/>
+              <a:rPr lang="en-US" sz="3600" b="1" dirty="0">
+                <a:solidFill>
+                  <a:srgbClr val="660033"/>
+                </a:solidFill>
                 <a:latin typeface="Microsoft JhengHei" panose="020B0604030504040204" pitchFamily="34" charset="-120"/>
                 <a:ea typeface="Microsoft JhengHei" panose="020B0604030504040204" pitchFamily="34" charset="-120"/>
               </a:rPr>
               <a:t>( </a:t>
             </a:r>
             <a:r>
-              <a:rPr lang="zh-CN" altLang="en-US" sz="4400" b="1" dirty="0" smtClean="0">
-                <a:solidFill>
-                  <a:srgbClr val="660033"/>
-                </a:solidFill>
-                <a:effectLst/>
+              <a:rPr lang="zh-CN" altLang="en-US" sz="3600" b="1" dirty="0">
+                <a:solidFill>
+                  <a:srgbClr val="660033"/>
+                </a:solidFill>
                 <a:latin typeface="Microsoft JhengHei" panose="020B0604030504040204" pitchFamily="34" charset="-120"/>
                 <a:ea typeface="Microsoft JhengHei" panose="020B0604030504040204" pitchFamily="34" charset="-120"/>
               </a:rPr>
               <a:t>正 </a:t>
             </a:r>
             <a:r>
-              <a:rPr lang="en-US" altLang="zh-CN" sz="4400" b="1" dirty="0" smtClean="0">
-                <a:solidFill>
-                  <a:srgbClr val="660033"/>
-                </a:solidFill>
-                <a:effectLst/>
+              <a:rPr lang="en-US" altLang="zh-CN" sz="3600" b="1" dirty="0">
+                <a:solidFill>
+                  <a:srgbClr val="660033"/>
+                </a:solidFill>
                 <a:latin typeface="Microsoft JhengHei" panose="020B0604030504040204" pitchFamily="34" charset="-120"/>
                 <a:ea typeface="Microsoft JhengHei" panose="020B0604030504040204" pitchFamily="34" charset="-120"/>
               </a:rPr>
               <a:t>1</a:t>
             </a:r>
             <a:r>
-              <a:rPr lang="en-US" sz="4400" b="1" dirty="0" smtClean="0">
-                <a:solidFill>
-                  <a:srgbClr val="660033"/>
-                </a:solidFill>
-                <a:effectLst/>
+              <a:rPr lang="en-US" sz="3600" b="1" dirty="0">
+                <a:solidFill>
+                  <a:srgbClr val="660033"/>
+                </a:solidFill>
                 <a:latin typeface="Microsoft JhengHei" panose="020B0604030504040204" pitchFamily="34" charset="-120"/>
                 <a:ea typeface="Microsoft JhengHei" panose="020B0604030504040204" pitchFamily="34" charset="-120"/>
               </a:rPr>
-              <a:t> </a:t>
-            </a:r>
-            <a:r>
-              <a:rPr lang="en-US" sz="4400" b="1" dirty="0" smtClean="0">
-                <a:solidFill>
-                  <a:srgbClr val="660033"/>
-                </a:solidFill>
-                <a:effectLst/>
-                <a:latin typeface="Microsoft JhengHei" panose="020B0604030504040204" pitchFamily="34" charset="-120"/>
-                <a:ea typeface="Microsoft JhengHei" panose="020B0604030504040204" pitchFamily="34" charset="-120"/>
-              </a:rPr>
-              <a:t>)</a:t>
-            </a:r>
-            <a:endParaRPr lang="vi-VN" sz="4400" b="1" dirty="0">
+              <a:t> )</a:t>
+            </a:r>
+            <a:endParaRPr lang="vi-VN" sz="3600" b="1" dirty="0">
               <a:solidFill>
                 <a:srgbClr val="660033"/>
               </a:solidFill>
-              <a:effectLst/>
+              <a:latin typeface="Microsoft JhengHei" panose="020B0604030504040204" pitchFamily="34" charset="-120"/>
               <a:ea typeface="Microsoft JhengHei" panose="020B0604030504040204" pitchFamily="34" charset="-120"/>
             </a:endParaRPr>
           </a:p>
@@ -4181,7 +4125,7 @@
         <p:spPr>
           <a:xfrm>
             <a:off x="0" y="5342585"/>
-            <a:ext cx="12192000" cy="769441"/>
+            <a:ext cx="12192000" cy="646331"/>
           </a:xfrm>
           <a:prstGeom prst="rect">
             <a:avLst/>
@@ -4196,65 +4140,50 @@
           <a:p>
             <a:pPr algn="ctr"/>
             <a:r>
-              <a:rPr lang="en-US" sz="4400" b="1" dirty="0" smtClean="0">
-                <a:solidFill>
-                  <a:srgbClr val="660033"/>
-                </a:solidFill>
-                <a:effectLst/>
+              <a:rPr lang="en-US" sz="3600" b="1" dirty="0">
+                <a:solidFill>
+                  <a:srgbClr val="660033"/>
+                </a:solidFill>
                 <a:latin typeface="Microsoft JhengHei" panose="020B0604030504040204" pitchFamily="34" charset="-120"/>
                 <a:ea typeface="Microsoft JhengHei" panose="020B0604030504040204" pitchFamily="34" charset="-120"/>
               </a:rPr>
               <a:t>( </a:t>
             </a:r>
             <a:r>
-              <a:rPr lang="zh-CN" altLang="en-US" sz="4400" b="1" dirty="0" smtClean="0">
-                <a:solidFill>
-                  <a:srgbClr val="660033"/>
-                </a:solidFill>
-                <a:effectLst/>
+              <a:rPr lang="zh-CN" altLang="en-US" sz="3600" b="1" dirty="0">
+                <a:solidFill>
+                  <a:srgbClr val="660033"/>
+                </a:solidFill>
                 <a:latin typeface="Microsoft JhengHei" panose="020B0604030504040204" pitchFamily="34" charset="-120"/>
                 <a:ea typeface="Microsoft JhengHei" panose="020B0604030504040204" pitchFamily="34" charset="-120"/>
               </a:rPr>
               <a:t>正 </a:t>
             </a:r>
             <a:r>
-              <a:rPr lang="en-US" altLang="zh-CN" sz="4400" b="1" dirty="0" smtClean="0">
-                <a:solidFill>
-                  <a:srgbClr val="660033"/>
-                </a:solidFill>
-                <a:effectLst/>
+              <a:rPr lang="en-US" altLang="zh-CN" sz="3600" b="1" dirty="0">
+                <a:solidFill>
+                  <a:srgbClr val="660033"/>
+                </a:solidFill>
                 <a:latin typeface="Microsoft JhengHei" panose="020B0604030504040204" pitchFamily="34" charset="-120"/>
                 <a:ea typeface="Microsoft JhengHei" panose="020B0604030504040204" pitchFamily="34" charset="-120"/>
               </a:rPr>
               <a:t>1</a:t>
             </a:r>
             <a:r>
-              <a:rPr lang="en-US" sz="4400" b="1" dirty="0" smtClean="0">
-                <a:solidFill>
-                  <a:srgbClr val="660033"/>
-                </a:solidFill>
-                <a:effectLst/>
+              <a:rPr lang="en-US" sz="3600" b="1" dirty="0">
+                <a:solidFill>
+                  <a:srgbClr val="660033"/>
+                </a:solidFill>
                 <a:latin typeface="Microsoft JhengHei" panose="020B0604030504040204" pitchFamily="34" charset="-120"/>
                 <a:ea typeface="Microsoft JhengHei" panose="020B0604030504040204" pitchFamily="34" charset="-120"/>
               </a:rPr>
-              <a:t> </a:t>
-            </a:r>
-            <a:r>
-              <a:rPr lang="en-US" sz="4400" b="1" dirty="0" smtClean="0">
-                <a:solidFill>
-                  <a:srgbClr val="660033"/>
-                </a:solidFill>
-                <a:effectLst/>
-                <a:latin typeface="Microsoft JhengHei" panose="020B0604030504040204" pitchFamily="34" charset="-120"/>
-                <a:ea typeface="Microsoft JhengHei" panose="020B0604030504040204" pitchFamily="34" charset="-120"/>
-              </a:rPr>
-              <a:t>)</a:t>
-            </a:r>
-            <a:endParaRPr lang="vi-VN" sz="4400" b="1" dirty="0">
+              <a:t> )</a:t>
+            </a:r>
+            <a:endParaRPr lang="vi-VN" sz="3600" b="1" dirty="0">
               <a:solidFill>
                 <a:srgbClr val="660033"/>
               </a:solidFill>
-              <a:effectLst/>
+              <a:latin typeface="Microsoft JhengHei" panose="020B0604030504040204" pitchFamily="34" charset="-120"/>
               <a:ea typeface="Microsoft JhengHei" panose="020B0604030504040204" pitchFamily="34" charset="-120"/>
             </a:endParaRPr>
           </a:p>
@@ -4540,7 +4469,7 @@
         <p:spPr>
           <a:xfrm>
             <a:off x="0" y="5342585"/>
-            <a:ext cx="12192000" cy="769441"/>
+            <a:ext cx="12192000" cy="646331"/>
           </a:xfrm>
           <a:prstGeom prst="rect">
             <a:avLst/>
@@ -4555,65 +4484,50 @@
           <a:p>
             <a:pPr algn="ctr"/>
             <a:r>
-              <a:rPr lang="en-US" sz="4400" b="1" dirty="0" smtClean="0">
-                <a:solidFill>
-                  <a:srgbClr val="660033"/>
-                </a:solidFill>
-                <a:effectLst/>
+              <a:rPr lang="en-US" sz="3600" b="1" dirty="0">
+                <a:solidFill>
+                  <a:srgbClr val="660033"/>
+                </a:solidFill>
                 <a:latin typeface="Microsoft JhengHei" panose="020B0604030504040204" pitchFamily="34" charset="-120"/>
                 <a:ea typeface="Microsoft JhengHei" panose="020B0604030504040204" pitchFamily="34" charset="-120"/>
               </a:rPr>
               <a:t>( </a:t>
             </a:r>
             <a:r>
-              <a:rPr lang="zh-CN" altLang="en-US" sz="4400" b="1" dirty="0" smtClean="0">
-                <a:solidFill>
-                  <a:srgbClr val="660033"/>
-                </a:solidFill>
-                <a:effectLst/>
+              <a:rPr lang="zh-CN" altLang="en-US" sz="3600" b="1" dirty="0">
+                <a:solidFill>
+                  <a:srgbClr val="660033"/>
+                </a:solidFill>
                 <a:latin typeface="Microsoft JhengHei" panose="020B0604030504040204" pitchFamily="34" charset="-120"/>
                 <a:ea typeface="Microsoft JhengHei" panose="020B0604030504040204" pitchFamily="34" charset="-120"/>
               </a:rPr>
               <a:t>正 </a:t>
             </a:r>
             <a:r>
-              <a:rPr lang="en-US" altLang="zh-CN" sz="4400" b="1" dirty="0">
-                <a:solidFill>
-                  <a:srgbClr val="660033"/>
-                </a:solidFill>
-                <a:effectLst/>
+              <a:rPr lang="en-US" altLang="zh-CN" sz="3600" b="1" dirty="0">
+                <a:solidFill>
+                  <a:srgbClr val="660033"/>
+                </a:solidFill>
                 <a:latin typeface="Microsoft JhengHei" panose="020B0604030504040204" pitchFamily="34" charset="-120"/>
                 <a:ea typeface="Microsoft JhengHei" panose="020B0604030504040204" pitchFamily="34" charset="-120"/>
               </a:rPr>
               <a:t>2</a:t>
             </a:r>
             <a:r>
-              <a:rPr lang="en-US" sz="4400" b="1" dirty="0" smtClean="0">
-                <a:solidFill>
-                  <a:srgbClr val="660033"/>
-                </a:solidFill>
-                <a:effectLst/>
+              <a:rPr lang="en-US" sz="3600" b="1" dirty="0">
+                <a:solidFill>
+                  <a:srgbClr val="660033"/>
+                </a:solidFill>
                 <a:latin typeface="Microsoft JhengHei" panose="020B0604030504040204" pitchFamily="34" charset="-120"/>
                 <a:ea typeface="Microsoft JhengHei" panose="020B0604030504040204" pitchFamily="34" charset="-120"/>
               </a:rPr>
-              <a:t> </a:t>
-            </a:r>
-            <a:r>
-              <a:rPr lang="en-US" sz="4400" b="1" dirty="0" smtClean="0">
-                <a:solidFill>
-                  <a:srgbClr val="660033"/>
-                </a:solidFill>
-                <a:effectLst/>
-                <a:latin typeface="Microsoft JhengHei" panose="020B0604030504040204" pitchFamily="34" charset="-120"/>
-                <a:ea typeface="Microsoft JhengHei" panose="020B0604030504040204" pitchFamily="34" charset="-120"/>
-              </a:rPr>
-              <a:t>)</a:t>
-            </a:r>
-            <a:endParaRPr lang="vi-VN" sz="4400" b="1" dirty="0">
+              <a:t> )</a:t>
+            </a:r>
+            <a:endParaRPr lang="vi-VN" sz="3600" b="1" dirty="0">
               <a:solidFill>
                 <a:srgbClr val="660033"/>
               </a:solidFill>
-              <a:effectLst/>
+              <a:latin typeface="Microsoft JhengHei" panose="020B0604030504040204" pitchFamily="34" charset="-120"/>
               <a:ea typeface="Microsoft JhengHei" panose="020B0604030504040204" pitchFamily="34" charset="-120"/>
             </a:endParaRPr>
           </a:p>
@@ -4725,7 +4639,7 @@
         <p:spPr>
           <a:xfrm>
             <a:off x="0" y="5342585"/>
-            <a:ext cx="12192000" cy="769441"/>
+            <a:ext cx="12192000" cy="646331"/>
           </a:xfrm>
           <a:prstGeom prst="rect">
             <a:avLst/>
@@ -4740,65 +4654,50 @@
           <a:p>
             <a:pPr algn="ctr"/>
             <a:r>
-              <a:rPr lang="en-US" sz="4400" b="1" dirty="0" smtClean="0">
-                <a:solidFill>
-                  <a:srgbClr val="660033"/>
-                </a:solidFill>
-                <a:effectLst/>
+              <a:rPr lang="en-US" sz="3600" b="1" dirty="0">
+                <a:solidFill>
+                  <a:srgbClr val="660033"/>
+                </a:solidFill>
                 <a:latin typeface="Microsoft JhengHei" panose="020B0604030504040204" pitchFamily="34" charset="-120"/>
                 <a:ea typeface="Microsoft JhengHei" panose="020B0604030504040204" pitchFamily="34" charset="-120"/>
               </a:rPr>
               <a:t>( </a:t>
             </a:r>
             <a:r>
-              <a:rPr lang="zh-CN" altLang="en-US" sz="4400" b="1" dirty="0" smtClean="0">
-                <a:solidFill>
-                  <a:srgbClr val="660033"/>
-                </a:solidFill>
-                <a:effectLst/>
+              <a:rPr lang="zh-CN" altLang="en-US" sz="3600" b="1" dirty="0">
+                <a:solidFill>
+                  <a:srgbClr val="660033"/>
+                </a:solidFill>
                 <a:latin typeface="Microsoft JhengHei" panose="020B0604030504040204" pitchFamily="34" charset="-120"/>
                 <a:ea typeface="Microsoft JhengHei" panose="020B0604030504040204" pitchFamily="34" charset="-120"/>
               </a:rPr>
               <a:t>正 </a:t>
             </a:r>
             <a:r>
-              <a:rPr lang="en-US" altLang="zh-CN" sz="4400" b="1" dirty="0">
-                <a:solidFill>
-                  <a:srgbClr val="660033"/>
-                </a:solidFill>
-                <a:effectLst/>
+              <a:rPr lang="en-US" altLang="zh-CN" sz="3600" b="1" dirty="0">
+                <a:solidFill>
+                  <a:srgbClr val="660033"/>
+                </a:solidFill>
                 <a:latin typeface="Microsoft JhengHei" panose="020B0604030504040204" pitchFamily="34" charset="-120"/>
                 <a:ea typeface="Microsoft JhengHei" panose="020B0604030504040204" pitchFamily="34" charset="-120"/>
               </a:rPr>
               <a:t>2</a:t>
             </a:r>
             <a:r>
-              <a:rPr lang="en-US" sz="4400" b="1" dirty="0" smtClean="0">
-                <a:solidFill>
-                  <a:srgbClr val="660033"/>
-                </a:solidFill>
-                <a:effectLst/>
+              <a:rPr lang="en-US" sz="3600" b="1" dirty="0">
+                <a:solidFill>
+                  <a:srgbClr val="660033"/>
+                </a:solidFill>
                 <a:latin typeface="Microsoft JhengHei" panose="020B0604030504040204" pitchFamily="34" charset="-120"/>
                 <a:ea typeface="Microsoft JhengHei" panose="020B0604030504040204" pitchFamily="34" charset="-120"/>
               </a:rPr>
-              <a:t> </a:t>
-            </a:r>
-            <a:r>
-              <a:rPr lang="en-US" sz="4400" b="1" dirty="0" smtClean="0">
-                <a:solidFill>
-                  <a:srgbClr val="660033"/>
-                </a:solidFill>
-                <a:effectLst/>
-                <a:latin typeface="Microsoft JhengHei" panose="020B0604030504040204" pitchFamily="34" charset="-120"/>
-                <a:ea typeface="Microsoft JhengHei" panose="020B0604030504040204" pitchFamily="34" charset="-120"/>
-              </a:rPr>
-              <a:t>)</a:t>
-            </a:r>
-            <a:endParaRPr lang="vi-VN" sz="4400" b="1" dirty="0">
+              <a:t> )</a:t>
+            </a:r>
+            <a:endParaRPr lang="vi-VN" sz="3600" b="1" dirty="0">
               <a:solidFill>
                 <a:srgbClr val="660033"/>
               </a:solidFill>
-              <a:effectLst/>
+              <a:latin typeface="Microsoft JhengHei" panose="020B0604030504040204" pitchFamily="34" charset="-120"/>
               <a:ea typeface="Microsoft JhengHei" panose="020B0604030504040204" pitchFamily="34" charset="-120"/>
             </a:endParaRPr>
           </a:p>
@@ -4910,7 +4809,7 @@
         <p:spPr>
           <a:xfrm>
             <a:off x="0" y="5342585"/>
-            <a:ext cx="12192000" cy="769441"/>
+            <a:ext cx="12192000" cy="646331"/>
           </a:xfrm>
           <a:prstGeom prst="rect">
             <a:avLst/>
@@ -4925,65 +4824,50 @@
           <a:p>
             <a:pPr algn="ctr"/>
             <a:r>
-              <a:rPr lang="en-US" sz="4400" b="1" dirty="0" smtClean="0">
-                <a:solidFill>
-                  <a:srgbClr val="660033"/>
-                </a:solidFill>
-                <a:effectLst/>
+              <a:rPr lang="en-US" sz="3600" b="1" dirty="0">
+                <a:solidFill>
+                  <a:srgbClr val="660033"/>
+                </a:solidFill>
                 <a:latin typeface="Microsoft JhengHei" panose="020B0604030504040204" pitchFamily="34" charset="-120"/>
                 <a:ea typeface="Microsoft JhengHei" panose="020B0604030504040204" pitchFamily="34" charset="-120"/>
               </a:rPr>
               <a:t>( </a:t>
             </a:r>
             <a:r>
-              <a:rPr lang="zh-CN" altLang="en-US" sz="4400" b="1" dirty="0" smtClean="0">
-                <a:solidFill>
-                  <a:srgbClr val="660033"/>
-                </a:solidFill>
-                <a:effectLst/>
+              <a:rPr lang="zh-CN" altLang="en-US" sz="3600" b="1" dirty="0">
+                <a:solidFill>
+                  <a:srgbClr val="660033"/>
+                </a:solidFill>
                 <a:latin typeface="Microsoft JhengHei" panose="020B0604030504040204" pitchFamily="34" charset="-120"/>
                 <a:ea typeface="Microsoft JhengHei" panose="020B0604030504040204" pitchFamily="34" charset="-120"/>
               </a:rPr>
               <a:t>正 </a:t>
             </a:r>
             <a:r>
-              <a:rPr lang="en-US" altLang="zh-CN" sz="4400" b="1" dirty="0">
-                <a:solidFill>
-                  <a:srgbClr val="660033"/>
-                </a:solidFill>
-                <a:effectLst/>
+              <a:rPr lang="en-US" altLang="zh-CN" sz="3600" b="1" dirty="0">
+                <a:solidFill>
+                  <a:srgbClr val="660033"/>
+                </a:solidFill>
                 <a:latin typeface="Microsoft JhengHei" panose="020B0604030504040204" pitchFamily="34" charset="-120"/>
                 <a:ea typeface="Microsoft JhengHei" panose="020B0604030504040204" pitchFamily="34" charset="-120"/>
               </a:rPr>
               <a:t>2</a:t>
             </a:r>
             <a:r>
-              <a:rPr lang="en-US" sz="4400" b="1" dirty="0" smtClean="0">
-                <a:solidFill>
-                  <a:srgbClr val="660033"/>
-                </a:solidFill>
-                <a:effectLst/>
+              <a:rPr lang="en-US" sz="3600" b="1" dirty="0">
+                <a:solidFill>
+                  <a:srgbClr val="660033"/>
+                </a:solidFill>
                 <a:latin typeface="Microsoft JhengHei" panose="020B0604030504040204" pitchFamily="34" charset="-120"/>
                 <a:ea typeface="Microsoft JhengHei" panose="020B0604030504040204" pitchFamily="34" charset="-120"/>
               </a:rPr>
-              <a:t> </a:t>
-            </a:r>
-            <a:r>
-              <a:rPr lang="en-US" sz="4400" b="1" dirty="0" smtClean="0">
-                <a:solidFill>
-                  <a:srgbClr val="660033"/>
-                </a:solidFill>
-                <a:effectLst/>
-                <a:latin typeface="Microsoft JhengHei" panose="020B0604030504040204" pitchFamily="34" charset="-120"/>
-                <a:ea typeface="Microsoft JhengHei" panose="020B0604030504040204" pitchFamily="34" charset="-120"/>
-              </a:rPr>
-              <a:t>)</a:t>
-            </a:r>
-            <a:endParaRPr lang="vi-VN" sz="4400" b="1" dirty="0">
+              <a:t> )</a:t>
+            </a:r>
+            <a:endParaRPr lang="vi-VN" sz="3600" b="1" dirty="0">
               <a:solidFill>
                 <a:srgbClr val="660033"/>
               </a:solidFill>
-              <a:effectLst/>
+              <a:latin typeface="Microsoft JhengHei" panose="020B0604030504040204" pitchFamily="34" charset="-120"/>
               <a:ea typeface="Microsoft JhengHei" panose="020B0604030504040204" pitchFamily="34" charset="-120"/>
             </a:endParaRPr>
           </a:p>
